--- a/Golang同步机制.pptx
+++ b/Golang同步机制.pptx
@@ -5,7 +5,7 @@
     <p:sldMasterId id="2147483648" r:id="rId1"/>
   </p:sldMasterIdLst>
   <p:notesMasterIdLst>
-    <p:notesMasterId r:id="rId28"/>
+    <p:notesMasterId r:id="rId30"/>
   </p:notesMasterIdLst>
   <p:sldIdLst>
     <p:sldId id="464" r:id="rId2"/>
@@ -31,9 +31,11 @@
     <p:sldId id="451" r:id="rId22"/>
     <p:sldId id="435" r:id="rId23"/>
     <p:sldId id="450" r:id="rId24"/>
-    <p:sldId id="475" r:id="rId25"/>
-    <p:sldId id="480" r:id="rId26"/>
-    <p:sldId id="396" r:id="rId27"/>
+    <p:sldId id="482" r:id="rId25"/>
+    <p:sldId id="481" r:id="rId26"/>
+    <p:sldId id="475" r:id="rId27"/>
+    <p:sldId id="480" r:id="rId28"/>
+    <p:sldId id="396" r:id="rId29"/>
   </p:sldIdLst>
   <p:sldSz cx="12801600" cy="9601200" type="A3"/>
   <p:notesSz cx="6858000" cy="9144000"/>
@@ -1297,6 +1299,315 @@
               </a:rPr>
               <a:t> </a:t>
             </a:r>
+          </a:p>
+          <a:p>
+            <a:endParaRPr lang="en-US" altLang="zh-CN" sz="1700" kern="1200" dirty="0">
+              <a:solidFill>
+                <a:schemeClr val="tx1"/>
+              </a:solidFill>
+              <a:effectLst/>
+              <a:latin typeface="+mn-lt"/>
+              <a:ea typeface="+mn-ea"/>
+              <a:cs typeface="+mn-cs"/>
+            </a:endParaRPr>
+          </a:p>
+          <a:p>
+            <a:r>
+              <a:rPr lang="zh-CN" altLang="en-US" sz="1700" b="0" i="0" kern="1200" dirty="0">
+                <a:solidFill>
+                  <a:schemeClr val="tx1"/>
+                </a:solidFill>
+                <a:effectLst/>
+                <a:latin typeface="+mn-lt"/>
+                <a:ea typeface="+mn-ea"/>
+                <a:cs typeface="+mn-cs"/>
+              </a:rPr>
+              <a:t>注意：</a:t>
+            </a:r>
+          </a:p>
+          <a:p>
+            <a:r>
+              <a:rPr lang="en-US" altLang="zh-CN" sz="1700" b="0" i="0" kern="1200" dirty="0">
+                <a:solidFill>
+                  <a:schemeClr val="tx1"/>
+                </a:solidFill>
+                <a:effectLst/>
+                <a:latin typeface="+mn-lt"/>
+                <a:ea typeface="+mn-ea"/>
+                <a:cs typeface="+mn-cs"/>
+              </a:rPr>
+              <a:t>1</a:t>
+            </a:r>
+            <a:r>
+              <a:rPr lang="zh-CN" altLang="en-US" sz="1700" b="0" i="0" kern="1200" dirty="0">
+                <a:solidFill>
+                  <a:schemeClr val="tx1"/>
+                </a:solidFill>
+                <a:effectLst/>
+                <a:latin typeface="+mn-lt"/>
+                <a:ea typeface="+mn-ea"/>
+                <a:cs typeface="+mn-cs"/>
+              </a:rPr>
+              <a:t>、</a:t>
+            </a:r>
+            <a:r>
+              <a:rPr lang="en-US" altLang="zh-CN" sz="1700" b="0" i="0" kern="1200" dirty="0">
+                <a:solidFill>
+                  <a:schemeClr val="tx1"/>
+                </a:solidFill>
+                <a:effectLst/>
+                <a:latin typeface="+mn-lt"/>
+                <a:ea typeface="+mn-ea"/>
+                <a:cs typeface="+mn-cs"/>
+              </a:rPr>
+              <a:t>Wait </a:t>
+            </a:r>
+            <a:r>
+              <a:rPr lang="zh-CN" altLang="en-US" sz="1700" b="0" i="0" kern="1200" dirty="0">
+                <a:solidFill>
+                  <a:schemeClr val="tx1"/>
+                </a:solidFill>
+                <a:effectLst/>
+                <a:latin typeface="+mn-lt"/>
+                <a:ea typeface="+mn-ea"/>
+                <a:cs typeface="+mn-cs"/>
+              </a:rPr>
+              <a:t>方法在调用之前一定要使用 </a:t>
+            </a:r>
+            <a:r>
+              <a:rPr lang="en-US" altLang="zh-CN" sz="1700" b="0" i="0" kern="1200" dirty="0" err="1">
+                <a:solidFill>
+                  <a:schemeClr val="tx1"/>
+                </a:solidFill>
+                <a:effectLst/>
+                <a:latin typeface="+mn-lt"/>
+                <a:ea typeface="+mn-ea"/>
+                <a:cs typeface="+mn-cs"/>
+              </a:rPr>
+              <a:t>L.Lock</a:t>
+            </a:r>
+            <a:r>
+              <a:rPr lang="en-US" altLang="zh-CN" sz="1700" b="0" i="0" kern="1200" dirty="0">
+                <a:solidFill>
+                  <a:schemeClr val="tx1"/>
+                </a:solidFill>
+                <a:effectLst/>
+                <a:latin typeface="+mn-lt"/>
+                <a:ea typeface="+mn-ea"/>
+                <a:cs typeface="+mn-cs"/>
+              </a:rPr>
+              <a:t> </a:t>
+            </a:r>
+            <a:r>
+              <a:rPr lang="zh-CN" altLang="en-US" sz="1700" b="0" i="0" kern="1200" dirty="0">
+                <a:solidFill>
+                  <a:schemeClr val="tx1"/>
+                </a:solidFill>
+                <a:effectLst/>
+                <a:latin typeface="+mn-lt"/>
+                <a:ea typeface="+mn-ea"/>
+                <a:cs typeface="+mn-cs"/>
+              </a:rPr>
+              <a:t>持有该资源，否则会发生 </a:t>
+            </a:r>
+            <a:r>
+              <a:rPr lang="en-US" altLang="zh-CN" sz="1700" b="0" i="0" kern="1200" dirty="0">
+                <a:solidFill>
+                  <a:schemeClr val="tx1"/>
+                </a:solidFill>
+                <a:effectLst/>
+                <a:latin typeface="+mn-lt"/>
+                <a:ea typeface="+mn-ea"/>
+                <a:cs typeface="+mn-cs"/>
+              </a:rPr>
+              <a:t>panic </a:t>
+            </a:r>
+            <a:r>
+              <a:rPr lang="zh-CN" altLang="en-US" sz="1700" b="0" i="0" kern="1200" dirty="0">
+                <a:solidFill>
+                  <a:schemeClr val="tx1"/>
+                </a:solidFill>
+                <a:effectLst/>
+                <a:latin typeface="+mn-lt"/>
+                <a:ea typeface="+mn-ea"/>
+                <a:cs typeface="+mn-cs"/>
+              </a:rPr>
+              <a:t>导致程序崩溃；</a:t>
+            </a:r>
+          </a:p>
+          <a:p>
+            <a:r>
+              <a:rPr lang="en-US" altLang="zh-CN" sz="1700" b="0" i="0" kern="1200" dirty="0">
+                <a:solidFill>
+                  <a:schemeClr val="tx1"/>
+                </a:solidFill>
+                <a:effectLst/>
+                <a:latin typeface="+mn-lt"/>
+                <a:ea typeface="+mn-ea"/>
+                <a:cs typeface="+mn-cs"/>
+              </a:rPr>
+              <a:t>2</a:t>
+            </a:r>
+            <a:r>
+              <a:rPr lang="zh-CN" altLang="en-US" sz="1700" b="0" i="0" kern="1200" dirty="0">
+                <a:solidFill>
+                  <a:schemeClr val="tx1"/>
+                </a:solidFill>
+                <a:effectLst/>
+                <a:latin typeface="+mn-lt"/>
+                <a:ea typeface="+mn-ea"/>
+                <a:cs typeface="+mn-cs"/>
+              </a:rPr>
+              <a:t>、</a:t>
+            </a:r>
+            <a:r>
+              <a:rPr lang="en-US" altLang="zh-CN" sz="1700" b="0" i="0" kern="1200" dirty="0">
+                <a:solidFill>
+                  <a:schemeClr val="tx1"/>
+                </a:solidFill>
+                <a:effectLst/>
+                <a:latin typeface="+mn-lt"/>
+                <a:ea typeface="+mn-ea"/>
+                <a:cs typeface="+mn-cs"/>
+              </a:rPr>
+              <a:t>Signal </a:t>
+            </a:r>
+            <a:r>
+              <a:rPr lang="zh-CN" altLang="en-US" sz="1700" b="0" i="0" kern="1200" dirty="0">
+                <a:solidFill>
+                  <a:schemeClr val="tx1"/>
+                </a:solidFill>
+                <a:effectLst/>
+                <a:latin typeface="+mn-lt"/>
+                <a:ea typeface="+mn-ea"/>
+                <a:cs typeface="+mn-cs"/>
+              </a:rPr>
+              <a:t>方法唤醒的 </a:t>
+            </a:r>
+            <a:r>
+              <a:rPr lang="en-US" altLang="zh-CN" sz="1700" b="0" i="0" kern="1200" dirty="0">
+                <a:solidFill>
+                  <a:schemeClr val="tx1"/>
+                </a:solidFill>
+                <a:effectLst/>
+                <a:latin typeface="+mn-lt"/>
+                <a:ea typeface="+mn-ea"/>
+                <a:cs typeface="+mn-cs"/>
+              </a:rPr>
+              <a:t>Goroutine </a:t>
+            </a:r>
+            <a:r>
+              <a:rPr lang="zh-CN" altLang="en-US" sz="1700" b="0" i="0" kern="1200" dirty="0">
+                <a:solidFill>
+                  <a:schemeClr val="tx1"/>
+                </a:solidFill>
+                <a:effectLst/>
+                <a:latin typeface="+mn-lt"/>
+                <a:ea typeface="+mn-ea"/>
+                <a:cs typeface="+mn-cs"/>
+              </a:rPr>
+              <a:t>都是队列最前面、等待最久的 </a:t>
+            </a:r>
+            <a:r>
+              <a:rPr lang="en-US" altLang="zh-CN" sz="1700" b="0" i="0" kern="1200" dirty="0">
+                <a:solidFill>
+                  <a:schemeClr val="tx1"/>
+                </a:solidFill>
+                <a:effectLst/>
+                <a:latin typeface="+mn-lt"/>
+                <a:ea typeface="+mn-ea"/>
+                <a:cs typeface="+mn-cs"/>
+              </a:rPr>
+              <a:t>Goroutine</a:t>
+            </a:r>
+            <a:r>
+              <a:rPr lang="zh-CN" altLang="en-US" sz="1700" b="0" i="0" kern="1200" dirty="0">
+                <a:solidFill>
+                  <a:schemeClr val="tx1"/>
+                </a:solidFill>
+                <a:effectLst/>
+                <a:latin typeface="+mn-lt"/>
+                <a:ea typeface="+mn-ea"/>
+                <a:cs typeface="+mn-cs"/>
+              </a:rPr>
+              <a:t>；</a:t>
+            </a:r>
+          </a:p>
+          <a:p>
+            <a:r>
+              <a:rPr lang="en-US" altLang="zh-CN" sz="1700" b="0" i="0" kern="1200" dirty="0">
+                <a:solidFill>
+                  <a:schemeClr val="tx1"/>
+                </a:solidFill>
+                <a:effectLst/>
+                <a:latin typeface="+mn-lt"/>
+                <a:ea typeface="+mn-ea"/>
+                <a:cs typeface="+mn-cs"/>
+              </a:rPr>
+              <a:t>3</a:t>
+            </a:r>
+            <a:r>
+              <a:rPr lang="zh-CN" altLang="en-US" sz="1700" b="0" i="0" kern="1200" dirty="0">
+                <a:solidFill>
+                  <a:schemeClr val="tx1"/>
+                </a:solidFill>
+                <a:effectLst/>
+                <a:latin typeface="+mn-lt"/>
+                <a:ea typeface="+mn-ea"/>
+                <a:cs typeface="+mn-cs"/>
+              </a:rPr>
+              <a:t>、</a:t>
+            </a:r>
+            <a:r>
+              <a:rPr lang="en-US" altLang="zh-CN" sz="1700" b="0" i="0" kern="1200" dirty="0">
+                <a:solidFill>
+                  <a:schemeClr val="tx1"/>
+                </a:solidFill>
+                <a:effectLst/>
+                <a:latin typeface="+mn-lt"/>
+                <a:ea typeface="+mn-ea"/>
+                <a:cs typeface="+mn-cs"/>
+              </a:rPr>
+              <a:t>Broadcast </a:t>
+            </a:r>
+            <a:r>
+              <a:rPr lang="zh-CN" altLang="en-US" sz="1700" b="0" i="0" kern="1200" dirty="0">
+                <a:solidFill>
+                  <a:schemeClr val="tx1"/>
+                </a:solidFill>
+                <a:effectLst/>
+                <a:latin typeface="+mn-lt"/>
+                <a:ea typeface="+mn-ea"/>
+                <a:cs typeface="+mn-cs"/>
+              </a:rPr>
+              <a:t>虽然是广播通知全部等待的 </a:t>
+            </a:r>
+            <a:r>
+              <a:rPr lang="en-US" altLang="zh-CN" sz="1700" b="0" i="0" kern="1200" dirty="0">
+                <a:solidFill>
+                  <a:schemeClr val="tx1"/>
+                </a:solidFill>
+                <a:effectLst/>
+                <a:latin typeface="+mn-lt"/>
+                <a:ea typeface="+mn-ea"/>
+                <a:cs typeface="+mn-cs"/>
+              </a:rPr>
+              <a:t>Goroutine</a:t>
+            </a:r>
+            <a:r>
+              <a:rPr lang="zh-CN" altLang="en-US" sz="1700" b="0" i="0" kern="1200" dirty="0">
+                <a:solidFill>
+                  <a:schemeClr val="tx1"/>
+                </a:solidFill>
+                <a:effectLst/>
+                <a:latin typeface="+mn-lt"/>
+                <a:ea typeface="+mn-ea"/>
+                <a:cs typeface="+mn-cs"/>
+              </a:rPr>
+              <a:t>，但是真正被唤醒时也是按照一定顺序的；</a:t>
+            </a:r>
+          </a:p>
+          <a:p>
             <a:endParaRPr lang="zh-CN" altLang="en-US" dirty="0"/>
           </a:p>
         </p:txBody>
@@ -1845,12 +2156,9 @@
           </a:p>
           <a:p>
             <a:r>
-              <a:rPr lang="en-US" altLang="zh-CN" dirty="0">
-                <a:hlinkClick r:id="rId3"/>
-              </a:rPr>
-              <a:t>https://godoc.org/golang.org/x/sync/errgroup</a:t>
-            </a:r>
-            <a:endParaRPr lang="zh-CN" altLang="en-US" dirty="0"/>
+              <a:rPr lang="en-US" altLang="zh-CN" dirty="0"/>
+              <a:t>https://github.com/golang/sync/blob/master/errgroup/errgroup.go</a:t>
+            </a:r>
           </a:p>
         </p:txBody>
       </p:sp>
@@ -2020,6 +2328,10 @@
           <a:bodyPr/>
           <a:lstStyle/>
           <a:p>
+            <a:r>
+              <a:rPr lang="en-US" altLang="zh-CN" dirty="0"/>
+              <a:t>https://github.com/golang/sync/blob/master/semaphore/semaphore.go</a:t>
+            </a:r>
             <a:endParaRPr lang="zh-CN" altLang="en-US" dirty="0"/>
           </a:p>
         </p:txBody>
@@ -2051,7 +2363,7 @@
     </p:spTree>
     <p:extLst>
       <p:ext uri="{BB962C8B-B14F-4D97-AF65-F5344CB8AC3E}">
-        <p14:creationId xmlns:p14="http://schemas.microsoft.com/office/powerpoint/2010/main" val="2462678983"/>
+        <p14:creationId xmlns:p14="http://schemas.microsoft.com/office/powerpoint/2010/main" val="2604076598"/>
       </p:ext>
     </p:extLst>
   </p:cSld>
@@ -2105,6 +2417,10 @@
           <a:bodyPr/>
           <a:lstStyle/>
           <a:p>
+            <a:r>
+              <a:rPr lang="en-US" altLang="zh-CN" dirty="0"/>
+              <a:t>https://github.com/golang/sync/blob/master/singleflight/singleflight.go</a:t>
+            </a:r>
             <a:endParaRPr lang="zh-CN" altLang="en-US" dirty="0"/>
           </a:p>
         </p:txBody>
@@ -2128,6 +2444,176 @@
               <a:rPr lang="en-US" smtClean="0"/>
               <a:pPr/>
               <a:t>25</a:t>
+            </a:fld>
+            <a:endParaRPr lang="en-US" dirty="0"/>
+          </a:p>
+        </p:txBody>
+      </p:sp>
+    </p:spTree>
+    <p:extLst>
+      <p:ext uri="{BB962C8B-B14F-4D97-AF65-F5344CB8AC3E}">
+        <p14:creationId xmlns:p14="http://schemas.microsoft.com/office/powerpoint/2010/main" val="2192580445"/>
+      </p:ext>
+    </p:extLst>
+  </p:cSld>
+  <p:clrMapOvr>
+    <a:masterClrMapping/>
+  </p:clrMapOvr>
+</p:notes>
+</file>
+
+<file path=ppt/notesSlides/notesSlide22.xml><?xml version="1.0" encoding="utf-8"?>
+<p:notes xmlns:a="http://schemas.openxmlformats.org/drawingml/2006/main" xmlns:r="http://schemas.openxmlformats.org/officeDocument/2006/relationships" xmlns:p="http://schemas.openxmlformats.org/presentationml/2006/main">
+  <p:cSld>
+    <p:spTree>
+      <p:nvGrpSpPr>
+        <p:cNvPr id="1" name=""/>
+        <p:cNvGrpSpPr/>
+        <p:nvPr/>
+      </p:nvGrpSpPr>
+      <p:grpSpPr>
+        <a:xfrm>
+          <a:off x="0" y="0"/>
+          <a:ext cx="0" cy="0"/>
+          <a:chOff x="0" y="0"/>
+          <a:chExt cx="0" cy="0"/>
+        </a:xfrm>
+      </p:grpSpPr>
+      <p:sp>
+        <p:nvSpPr>
+          <p:cNvPr id="2" name="幻灯片图像占位符 1"/>
+          <p:cNvSpPr>
+            <a:spLocks noGrp="1" noRot="1" noChangeAspect="1"/>
+          </p:cNvSpPr>
+          <p:nvPr>
+            <p:ph type="sldImg"/>
+          </p:nvPr>
+        </p:nvSpPr>
+        <p:spPr/>
+      </p:sp>
+      <p:sp>
+        <p:nvSpPr>
+          <p:cNvPr id="3" name="备注占位符 2"/>
+          <p:cNvSpPr>
+            <a:spLocks noGrp="1"/>
+          </p:cNvSpPr>
+          <p:nvPr>
+            <p:ph type="body" idx="1"/>
+          </p:nvPr>
+        </p:nvSpPr>
+        <p:spPr/>
+        <p:txBody>
+          <a:bodyPr/>
+          <a:lstStyle/>
+          <a:p>
+            <a:endParaRPr lang="zh-CN" altLang="en-US" dirty="0"/>
+          </a:p>
+        </p:txBody>
+      </p:sp>
+      <p:sp>
+        <p:nvSpPr>
+          <p:cNvPr id="4" name="灯片编号占位符 3"/>
+          <p:cNvSpPr>
+            <a:spLocks noGrp="1"/>
+          </p:cNvSpPr>
+          <p:nvPr>
+            <p:ph type="sldNum" sz="quarter" idx="10"/>
+          </p:nvPr>
+        </p:nvSpPr>
+        <p:spPr/>
+        <p:txBody>
+          <a:bodyPr/>
+          <a:lstStyle/>
+          <a:p>
+            <a:fld id="{E4FF5570-FE69-4FDF-99DA-8CDE436443CD}" type="slidenum">
+              <a:rPr lang="en-US" smtClean="0"/>
+              <a:pPr/>
+              <a:t>26</a:t>
+            </a:fld>
+            <a:endParaRPr lang="en-US" dirty="0"/>
+          </a:p>
+        </p:txBody>
+      </p:sp>
+    </p:spTree>
+    <p:extLst>
+      <p:ext uri="{BB962C8B-B14F-4D97-AF65-F5344CB8AC3E}">
+        <p14:creationId xmlns:p14="http://schemas.microsoft.com/office/powerpoint/2010/main" val="2462678983"/>
+      </p:ext>
+    </p:extLst>
+  </p:cSld>
+  <p:clrMapOvr>
+    <a:masterClrMapping/>
+  </p:clrMapOvr>
+</p:notes>
+</file>
+
+<file path=ppt/notesSlides/notesSlide23.xml><?xml version="1.0" encoding="utf-8"?>
+<p:notes xmlns:a="http://schemas.openxmlformats.org/drawingml/2006/main" xmlns:r="http://schemas.openxmlformats.org/officeDocument/2006/relationships" xmlns:p="http://schemas.openxmlformats.org/presentationml/2006/main">
+  <p:cSld>
+    <p:spTree>
+      <p:nvGrpSpPr>
+        <p:cNvPr id="1" name=""/>
+        <p:cNvGrpSpPr/>
+        <p:nvPr/>
+      </p:nvGrpSpPr>
+      <p:grpSpPr>
+        <a:xfrm>
+          <a:off x="0" y="0"/>
+          <a:ext cx="0" cy="0"/>
+          <a:chOff x="0" y="0"/>
+          <a:chExt cx="0" cy="0"/>
+        </a:xfrm>
+      </p:grpSpPr>
+      <p:sp>
+        <p:nvSpPr>
+          <p:cNvPr id="2" name="幻灯片图像占位符 1"/>
+          <p:cNvSpPr>
+            <a:spLocks noGrp="1" noRot="1" noChangeAspect="1"/>
+          </p:cNvSpPr>
+          <p:nvPr>
+            <p:ph type="sldImg"/>
+          </p:nvPr>
+        </p:nvSpPr>
+        <p:spPr/>
+      </p:sp>
+      <p:sp>
+        <p:nvSpPr>
+          <p:cNvPr id="3" name="备注占位符 2"/>
+          <p:cNvSpPr>
+            <a:spLocks noGrp="1"/>
+          </p:cNvSpPr>
+          <p:nvPr>
+            <p:ph type="body" idx="1"/>
+          </p:nvPr>
+        </p:nvSpPr>
+        <p:spPr/>
+        <p:txBody>
+          <a:bodyPr/>
+          <a:lstStyle/>
+          <a:p>
+            <a:endParaRPr lang="zh-CN" altLang="en-US" dirty="0"/>
+          </a:p>
+        </p:txBody>
+      </p:sp>
+      <p:sp>
+        <p:nvSpPr>
+          <p:cNvPr id="4" name="灯片编号占位符 3"/>
+          <p:cNvSpPr>
+            <a:spLocks noGrp="1"/>
+          </p:cNvSpPr>
+          <p:nvPr>
+            <p:ph type="sldNum" sz="quarter" idx="10"/>
+          </p:nvPr>
+        </p:nvSpPr>
+        <p:spPr/>
+        <p:txBody>
+          <a:bodyPr/>
+          <a:lstStyle/>
+          <a:p>
+            <a:fld id="{E4FF5570-FE69-4FDF-99DA-8CDE436443CD}" type="slidenum">
+              <a:rPr lang="en-US" smtClean="0"/>
+              <a:pPr/>
+              <a:t>27</a:t>
             </a:fld>
             <a:endParaRPr lang="en-US" dirty="0"/>
           </a:p>
@@ -12450,7 +12936,7 @@
           <p:nvPr>
             <p:extLst>
               <p:ext uri="{D42A27DB-BD31-4B8C-83A1-F6EECF244321}">
-                <p14:modId xmlns:p14="http://schemas.microsoft.com/office/powerpoint/2010/main" val="617142304"/>
+                <p14:modId xmlns:p14="http://schemas.microsoft.com/office/powerpoint/2010/main" val="1378202381"/>
               </p:ext>
             </p:extLst>
           </p:nvPr>
@@ -12508,8 +12994,8 @@
                             </a:schemeClr>
                           </a:solidFill>
                           <a:effectLst/>
-                          <a:latin typeface="Microsoft YaHei" panose="020B0503020204020204" pitchFamily="34" charset="-122"/>
-                          <a:ea typeface="Microsoft YaHei" panose="020B0503020204020204" pitchFamily="34" charset="-122"/>
+                          <a:latin typeface="华文细黑" panose="02010600040101010101" pitchFamily="2" charset="-122"/>
+                          <a:ea typeface="华文细黑" panose="02010600040101010101" pitchFamily="2" charset="-122"/>
                         </a:rPr>
                         <a:t>操作</a:t>
                       </a:r>
@@ -12520,6 +13006,8 @@
                           </a:schemeClr>
                         </a:solidFill>
                         <a:effectLst/>
+                        <a:latin typeface="华文细黑" panose="02010600040101010101" pitchFamily="2" charset="-122"/>
+                        <a:ea typeface="华文细黑" panose="02010600040101010101" pitchFamily="2" charset="-122"/>
                       </a:endParaRPr>
                     </a:p>
                   </a:txBody>
@@ -12576,8 +13064,8 @@
                             </a:schemeClr>
                           </a:solidFill>
                           <a:effectLst/>
-                          <a:latin typeface="Microsoft YaHei" panose="020B0503020204020204" pitchFamily="34" charset="-122"/>
-                          <a:ea typeface="Microsoft YaHei" panose="020B0503020204020204" pitchFamily="34" charset="-122"/>
+                          <a:latin typeface="华文细黑" panose="02010600040101010101" pitchFamily="2" charset="-122"/>
+                          <a:ea typeface="华文细黑" panose="02010600040101010101" pitchFamily="2" charset="-122"/>
                         </a:rPr>
                         <a:t>nil channel</a:t>
                       </a:r>
@@ -12588,6 +13076,8 @@
                           </a:schemeClr>
                         </a:solidFill>
                         <a:effectLst/>
+                        <a:latin typeface="华文细黑" panose="02010600040101010101" pitchFamily="2" charset="-122"/>
+                        <a:ea typeface="华文细黑" panose="02010600040101010101" pitchFamily="2" charset="-122"/>
                       </a:endParaRPr>
                     </a:p>
                   </a:txBody>
@@ -12644,8 +13134,8 @@
                             </a:schemeClr>
                           </a:solidFill>
                           <a:effectLst/>
-                          <a:latin typeface="Microsoft YaHei" panose="020B0503020204020204" pitchFamily="34" charset="-122"/>
-                          <a:ea typeface="Microsoft YaHei" panose="020B0503020204020204" pitchFamily="34" charset="-122"/>
+                          <a:latin typeface="华文细黑" panose="02010600040101010101" pitchFamily="2" charset="-122"/>
+                          <a:ea typeface="华文细黑" panose="02010600040101010101" pitchFamily="2" charset="-122"/>
                         </a:rPr>
                         <a:t>closed channel</a:t>
                       </a:r>
@@ -12656,6 +13146,8 @@
                           </a:schemeClr>
                         </a:solidFill>
                         <a:effectLst/>
+                        <a:latin typeface="华文细黑" panose="02010600040101010101" pitchFamily="2" charset="-122"/>
+                        <a:ea typeface="华文细黑" panose="02010600040101010101" pitchFamily="2" charset="-122"/>
                       </a:endParaRPr>
                     </a:p>
                   </a:txBody>
@@ -12712,8 +13204,8 @@
                             </a:schemeClr>
                           </a:solidFill>
                           <a:effectLst/>
-                          <a:latin typeface="Microsoft YaHei" panose="020B0503020204020204" pitchFamily="34" charset="-122"/>
-                          <a:ea typeface="Microsoft YaHei" panose="020B0503020204020204" pitchFamily="34" charset="-122"/>
+                          <a:latin typeface="华文细黑" panose="02010600040101010101" pitchFamily="2" charset="-122"/>
+                          <a:ea typeface="华文细黑" panose="02010600040101010101" pitchFamily="2" charset="-122"/>
                         </a:rPr>
                         <a:t>not nil, not closed channel</a:t>
                       </a:r>
@@ -12724,6 +13216,8 @@
                           </a:schemeClr>
                         </a:solidFill>
                         <a:effectLst/>
+                        <a:latin typeface="华文细黑" panose="02010600040101010101" pitchFamily="2" charset="-122"/>
+                        <a:ea typeface="华文细黑" panose="02010600040101010101" pitchFamily="2" charset="-122"/>
                       </a:endParaRPr>
                     </a:p>
                   </a:txBody>
@@ -12787,8 +13281,8 @@
                             </a:schemeClr>
                           </a:solidFill>
                           <a:effectLst/>
-                          <a:latin typeface="Microsoft YaHei" panose="020B0503020204020204" pitchFamily="34" charset="-122"/>
-                          <a:ea typeface="Microsoft YaHei" panose="020B0503020204020204" pitchFamily="34" charset="-122"/>
+                          <a:latin typeface="华文细黑" panose="02010600040101010101" pitchFamily="2" charset="-122"/>
+                          <a:ea typeface="华文细黑" panose="02010600040101010101" pitchFamily="2" charset="-122"/>
                         </a:rPr>
                         <a:t>close</a:t>
                       </a:r>
@@ -12799,6 +13293,8 @@
                           </a:schemeClr>
                         </a:solidFill>
                         <a:effectLst/>
+                        <a:latin typeface="华文细黑" panose="02010600040101010101" pitchFamily="2" charset="-122"/>
+                        <a:ea typeface="华文细黑" panose="02010600040101010101" pitchFamily="2" charset="-122"/>
                       </a:endParaRPr>
                     </a:p>
                   </a:txBody>
@@ -12855,8 +13351,8 @@
                             </a:schemeClr>
                           </a:solidFill>
                           <a:effectLst/>
-                          <a:latin typeface="Microsoft YaHei" panose="020B0503020204020204" pitchFamily="34" charset="-122"/>
-                          <a:ea typeface="Microsoft YaHei" panose="020B0503020204020204" pitchFamily="34" charset="-122"/>
+                          <a:latin typeface="华文细黑" panose="02010600040101010101" pitchFamily="2" charset="-122"/>
+                          <a:ea typeface="华文细黑" panose="02010600040101010101" pitchFamily="2" charset="-122"/>
                         </a:rPr>
                         <a:t>panic</a:t>
                       </a:r>
@@ -12867,6 +13363,8 @@
                           </a:schemeClr>
                         </a:solidFill>
                         <a:effectLst/>
+                        <a:latin typeface="华文细黑" panose="02010600040101010101" pitchFamily="2" charset="-122"/>
+                        <a:ea typeface="华文细黑" panose="02010600040101010101" pitchFamily="2" charset="-122"/>
                       </a:endParaRPr>
                     </a:p>
                   </a:txBody>
@@ -12923,8 +13421,8 @@
                             </a:schemeClr>
                           </a:solidFill>
                           <a:effectLst/>
-                          <a:latin typeface="Microsoft YaHei" panose="020B0503020204020204" pitchFamily="34" charset="-122"/>
-                          <a:ea typeface="Microsoft YaHei" panose="020B0503020204020204" pitchFamily="34" charset="-122"/>
+                          <a:latin typeface="华文细黑" panose="02010600040101010101" pitchFamily="2" charset="-122"/>
+                          <a:ea typeface="华文细黑" panose="02010600040101010101" pitchFamily="2" charset="-122"/>
                         </a:rPr>
                         <a:t>panic</a:t>
                       </a:r>
@@ -12935,6 +13433,8 @@
                           </a:schemeClr>
                         </a:solidFill>
                         <a:effectLst/>
+                        <a:latin typeface="华文细黑" panose="02010600040101010101" pitchFamily="2" charset="-122"/>
+                        <a:ea typeface="华文细黑" panose="02010600040101010101" pitchFamily="2" charset="-122"/>
                       </a:endParaRPr>
                     </a:p>
                   </a:txBody>
@@ -12991,8 +13491,8 @@
                             </a:schemeClr>
                           </a:solidFill>
                           <a:effectLst/>
-                          <a:latin typeface="Microsoft YaHei" panose="020B0503020204020204" pitchFamily="34" charset="-122"/>
-                          <a:ea typeface="Microsoft YaHei" panose="020B0503020204020204" pitchFamily="34" charset="-122"/>
+                          <a:latin typeface="华文细黑" panose="02010600040101010101" pitchFamily="2" charset="-122"/>
+                          <a:ea typeface="华文细黑" panose="02010600040101010101" pitchFamily="2" charset="-122"/>
                         </a:rPr>
                         <a:t>正常关闭</a:t>
                       </a:r>
@@ -13003,6 +13503,8 @@
                           </a:schemeClr>
                         </a:solidFill>
                         <a:effectLst/>
+                        <a:latin typeface="华文细黑" panose="02010600040101010101" pitchFamily="2" charset="-122"/>
+                        <a:ea typeface="华文细黑" panose="02010600040101010101" pitchFamily="2" charset="-122"/>
                       </a:endParaRPr>
                     </a:p>
                   </a:txBody>
@@ -13066,8 +13568,8 @@
                             </a:schemeClr>
                           </a:solidFill>
                           <a:effectLst/>
-                          <a:latin typeface="Microsoft YaHei" panose="020B0503020204020204" pitchFamily="34" charset="-122"/>
-                          <a:ea typeface="Microsoft YaHei" panose="020B0503020204020204" pitchFamily="34" charset="-122"/>
+                          <a:latin typeface="华文细黑" panose="02010600040101010101" pitchFamily="2" charset="-122"/>
+                          <a:ea typeface="华文细黑" panose="02010600040101010101" pitchFamily="2" charset="-122"/>
                         </a:rPr>
                         <a:t>读 </a:t>
                       </a:r>
@@ -13079,8 +13581,8 @@
                             </a:schemeClr>
                           </a:solidFill>
                           <a:effectLst/>
-                          <a:latin typeface="Microsoft YaHei" panose="020B0503020204020204" pitchFamily="34" charset="-122"/>
-                          <a:ea typeface="Microsoft YaHei" panose="020B0503020204020204" pitchFamily="34" charset="-122"/>
+                          <a:latin typeface="华文细黑" panose="02010600040101010101" pitchFamily="2" charset="-122"/>
+                          <a:ea typeface="华文细黑" panose="02010600040101010101" pitchFamily="2" charset="-122"/>
                         </a:rPr>
                         <a:t>&lt;- </a:t>
                       </a:r>
@@ -13092,8 +13594,8 @@
                             </a:schemeClr>
                           </a:solidFill>
                           <a:effectLst/>
-                          <a:latin typeface="Microsoft YaHei" panose="020B0503020204020204" pitchFamily="34" charset="-122"/>
-                          <a:ea typeface="Microsoft YaHei" panose="020B0503020204020204" pitchFamily="34" charset="-122"/>
+                          <a:latin typeface="华文细黑" panose="02010600040101010101" pitchFamily="2" charset="-122"/>
+                          <a:ea typeface="华文细黑" panose="02010600040101010101" pitchFamily="2" charset="-122"/>
                         </a:rPr>
                         <a:t>ch</a:t>
                       </a:r>
@@ -13104,6 +13606,81 @@
                           </a:schemeClr>
                         </a:solidFill>
                         <a:effectLst/>
+                        <a:latin typeface="华文细黑" panose="02010600040101010101" pitchFamily="2" charset="-122"/>
+                        <a:ea typeface="华文细黑" panose="02010600040101010101" pitchFamily="2" charset="-122"/>
+                      </a:endParaRPr>
+                    </a:p>
+                  </a:txBody>
+                  <a:tcPr anchor="ctr">
+                    <a:lnL w="6350" cap="flat" cmpd="sng" algn="ctr">
+                      <a:solidFill>
+                        <a:srgbClr val="A7A7A7"/>
+                      </a:solidFill>
+                      <a:prstDash val="solid"/>
+                      <a:round/>
+                      <a:headEnd type="none" w="med" len="med"/>
+                      <a:tailEnd type="none" w="med" len="med"/>
+                    </a:lnL>
+                    <a:lnR w="6350" cap="flat" cmpd="sng" algn="ctr">
+                      <a:solidFill>
+                        <a:srgbClr val="A7A7A7"/>
+                      </a:solidFill>
+                      <a:prstDash val="solid"/>
+                      <a:round/>
+                      <a:headEnd type="none" w="med" len="med"/>
+                      <a:tailEnd type="none" w="med" len="med"/>
+                    </a:lnR>
+                    <a:lnT w="6350" cap="flat" cmpd="sng" algn="ctr">
+                      <a:solidFill>
+                        <a:srgbClr val="A7A7A7"/>
+                      </a:solidFill>
+                      <a:prstDash val="solid"/>
+                      <a:round/>
+                      <a:headEnd type="none" w="med" len="med"/>
+                      <a:tailEnd type="none" w="med" len="med"/>
+                    </a:lnT>
+                    <a:lnB w="6350" cap="flat" cmpd="sng" algn="ctr">
+                      <a:solidFill>
+                        <a:srgbClr val="A7A7A7"/>
+                      </a:solidFill>
+                      <a:prstDash val="solid"/>
+                      <a:round/>
+                      <a:headEnd type="none" w="med" len="med"/>
+                      <a:tailEnd type="none" w="med" len="med"/>
+                    </a:lnB>
+                    <a:solidFill>
+                      <a:srgbClr val="F8F8F8"/>
+                    </a:solidFill>
+                  </a:tcPr>
+                </a:tc>
+                <a:tc>
+                  <a:txBody>
+                    <a:bodyPr/>
+                    <a:lstStyle/>
+                    <a:p>
+                      <a:pPr fontAlgn="ctr"/>
+                      <a:r>
+                        <a:rPr lang="zh-CN" altLang="en-US" sz="2000" b="0" i="0" u="none" strike="noStrike" dirty="0">
+                          <a:solidFill>
+                            <a:schemeClr val="tx1">
+                              <a:lumMod val="75000"/>
+                            </a:schemeClr>
+                          </a:solidFill>
+                          <a:effectLst/>
+                          <a:latin typeface="华文细黑" panose="02010600040101010101" pitchFamily="2" charset="-122"/>
+                          <a:ea typeface="华文细黑" panose="02010600040101010101" pitchFamily="2" charset="-122"/>
+                        </a:rPr>
+                        <a:t>阻塞</a:t>
+                      </a:r>
+                      <a:endParaRPr lang="zh-CN" altLang="en-US" sz="2000" dirty="0">
+                        <a:solidFill>
+                          <a:schemeClr val="tx1">
+                            <a:lumMod val="75000"/>
+                          </a:schemeClr>
+                        </a:solidFill>
+                        <a:effectLst/>
+                        <a:latin typeface="华文细黑" panose="02010600040101010101" pitchFamily="2" charset="-122"/>
+                        <a:ea typeface="华文细黑" panose="02010600040101010101" pitchFamily="2" charset="-122"/>
                       </a:endParaRPr>
                     </a:p>
                   </a:txBody>
@@ -13163,79 +13740,8 @@
                             </a:schemeClr>
                           </a:solidFill>
                           <a:effectLst/>
-                          <a:latin typeface="Microsoft YaHei" panose="020B0503020204020204" pitchFamily="34" charset="-122"/>
-                          <a:ea typeface="Microsoft YaHei" panose="020B0503020204020204" pitchFamily="34" charset="-122"/>
-                        </a:rPr>
-                        <a:t>阻塞</a:t>
-                      </a:r>
-                      <a:endParaRPr lang="zh-CN" altLang="en-US" sz="2000">
-                        <a:solidFill>
-                          <a:schemeClr val="tx1">
-                            <a:lumMod val="75000"/>
-                          </a:schemeClr>
-                        </a:solidFill>
-                        <a:effectLst/>
-                      </a:endParaRPr>
-                    </a:p>
-                  </a:txBody>
-                  <a:tcPr anchor="ctr">
-                    <a:lnL w="6350" cap="flat" cmpd="sng" algn="ctr">
-                      <a:solidFill>
-                        <a:srgbClr val="A7A7A7"/>
-                      </a:solidFill>
-                      <a:prstDash val="solid"/>
-                      <a:round/>
-                      <a:headEnd type="none" w="med" len="med"/>
-                      <a:tailEnd type="none" w="med" len="med"/>
-                    </a:lnL>
-                    <a:lnR w="6350" cap="flat" cmpd="sng" algn="ctr">
-                      <a:solidFill>
-                        <a:srgbClr val="A7A7A7"/>
-                      </a:solidFill>
-                      <a:prstDash val="solid"/>
-                      <a:round/>
-                      <a:headEnd type="none" w="med" len="med"/>
-                      <a:tailEnd type="none" w="med" len="med"/>
-                    </a:lnR>
-                    <a:lnT w="6350" cap="flat" cmpd="sng" algn="ctr">
-                      <a:solidFill>
-                        <a:srgbClr val="A7A7A7"/>
-                      </a:solidFill>
-                      <a:prstDash val="solid"/>
-                      <a:round/>
-                      <a:headEnd type="none" w="med" len="med"/>
-                      <a:tailEnd type="none" w="med" len="med"/>
-                    </a:lnT>
-                    <a:lnB w="6350" cap="flat" cmpd="sng" algn="ctr">
-                      <a:solidFill>
-                        <a:srgbClr val="A7A7A7"/>
-                      </a:solidFill>
-                      <a:prstDash val="solid"/>
-                      <a:round/>
-                      <a:headEnd type="none" w="med" len="med"/>
-                      <a:tailEnd type="none" w="med" len="med"/>
-                    </a:lnB>
-                    <a:solidFill>
-                      <a:srgbClr val="F8F8F8"/>
-                    </a:solidFill>
-                  </a:tcPr>
-                </a:tc>
-                <a:tc>
-                  <a:txBody>
-                    <a:bodyPr/>
-                    <a:lstStyle/>
-                    <a:p>
-                      <a:pPr fontAlgn="ctr"/>
-                      <a:r>
-                        <a:rPr lang="zh-CN" altLang="en-US" sz="2000" b="0" i="0" u="none" strike="noStrike">
-                          <a:solidFill>
-                            <a:schemeClr val="tx1">
-                              <a:lumMod val="75000"/>
-                            </a:schemeClr>
-                          </a:solidFill>
-                          <a:effectLst/>
-                          <a:latin typeface="Microsoft YaHei" panose="020B0503020204020204" pitchFamily="34" charset="-122"/>
-                          <a:ea typeface="Microsoft YaHei" panose="020B0503020204020204" pitchFamily="34" charset="-122"/>
+                          <a:latin typeface="华文细黑" panose="02010600040101010101" pitchFamily="2" charset="-122"/>
+                          <a:ea typeface="华文细黑" panose="02010600040101010101" pitchFamily="2" charset="-122"/>
                         </a:rPr>
                         <a:t>读到对应类型的零值</a:t>
                       </a:r>
@@ -13246,6 +13752,8 @@
                           </a:schemeClr>
                         </a:solidFill>
                         <a:effectLst/>
+                        <a:latin typeface="华文细黑" panose="02010600040101010101" pitchFamily="2" charset="-122"/>
+                        <a:ea typeface="华文细黑" panose="02010600040101010101" pitchFamily="2" charset="-122"/>
                       </a:endParaRPr>
                     </a:p>
                   </a:txBody>
@@ -13305,8 +13813,8 @@
                             </a:schemeClr>
                           </a:solidFill>
                           <a:effectLst/>
-                          <a:latin typeface="Microsoft YaHei" panose="020B0503020204020204" pitchFamily="34" charset="-122"/>
-                          <a:ea typeface="Microsoft YaHei" panose="020B0503020204020204" pitchFamily="34" charset="-122"/>
+                          <a:latin typeface="华文细黑" panose="02010600040101010101" pitchFamily="2" charset="-122"/>
+                          <a:ea typeface="华文细黑" panose="02010600040101010101" pitchFamily="2" charset="-122"/>
                         </a:rPr>
                         <a:t>阻塞或正常读取数据。缓冲型 </a:t>
                       </a:r>
@@ -13318,8 +13826,8 @@
                             </a:schemeClr>
                           </a:solidFill>
                           <a:effectLst/>
-                          <a:latin typeface="Microsoft YaHei" panose="020B0503020204020204" pitchFamily="34" charset="-122"/>
-                          <a:ea typeface="Microsoft YaHei" panose="020B0503020204020204" pitchFamily="34" charset="-122"/>
+                          <a:latin typeface="华文细黑" panose="02010600040101010101" pitchFamily="2" charset="-122"/>
+                          <a:ea typeface="华文细黑" panose="02010600040101010101" pitchFamily="2" charset="-122"/>
                         </a:rPr>
                         <a:t>channel </a:t>
                       </a:r>
@@ -13331,8 +13839,8 @@
                             </a:schemeClr>
                           </a:solidFill>
                           <a:effectLst/>
-                          <a:latin typeface="Microsoft YaHei" panose="020B0503020204020204" pitchFamily="34" charset="-122"/>
-                          <a:ea typeface="Microsoft YaHei" panose="020B0503020204020204" pitchFamily="34" charset="-122"/>
+                          <a:latin typeface="华文细黑" panose="02010600040101010101" pitchFamily="2" charset="-122"/>
+                          <a:ea typeface="华文细黑" panose="02010600040101010101" pitchFamily="2" charset="-122"/>
                         </a:rPr>
                         <a:t>为空或非缓冲型 </a:t>
                       </a:r>
@@ -13344,8 +13852,8 @@
                             </a:schemeClr>
                           </a:solidFill>
                           <a:effectLst/>
-                          <a:latin typeface="Microsoft YaHei" panose="020B0503020204020204" pitchFamily="34" charset="-122"/>
-                          <a:ea typeface="Microsoft YaHei" panose="020B0503020204020204" pitchFamily="34" charset="-122"/>
+                          <a:latin typeface="华文细黑" panose="02010600040101010101" pitchFamily="2" charset="-122"/>
+                          <a:ea typeface="华文细黑" panose="02010600040101010101" pitchFamily="2" charset="-122"/>
                         </a:rPr>
                         <a:t>channel </a:t>
                       </a:r>
@@ -13357,8 +13865,8 @@
                             </a:schemeClr>
                           </a:solidFill>
                           <a:effectLst/>
-                          <a:latin typeface="Microsoft YaHei" panose="020B0503020204020204" pitchFamily="34" charset="-122"/>
-                          <a:ea typeface="Microsoft YaHei" panose="020B0503020204020204" pitchFamily="34" charset="-122"/>
+                          <a:latin typeface="华文细黑" panose="02010600040101010101" pitchFamily="2" charset="-122"/>
+                          <a:ea typeface="华文细黑" panose="02010600040101010101" pitchFamily="2" charset="-122"/>
                         </a:rPr>
                         <a:t>没有等待发送者时会阻塞</a:t>
                       </a:r>
@@ -13369,6 +13877,8 @@
                           </a:schemeClr>
                         </a:solidFill>
                         <a:effectLst/>
+                        <a:latin typeface="华文细黑" panose="02010600040101010101" pitchFamily="2" charset="-122"/>
+                        <a:ea typeface="华文细黑" panose="02010600040101010101" pitchFamily="2" charset="-122"/>
                       </a:endParaRPr>
                     </a:p>
                   </a:txBody>
@@ -13435,8 +13945,8 @@
                             </a:schemeClr>
                           </a:solidFill>
                           <a:effectLst/>
-                          <a:latin typeface="Microsoft YaHei" panose="020B0503020204020204" pitchFamily="34" charset="-122"/>
-                          <a:ea typeface="Microsoft YaHei" panose="020B0503020204020204" pitchFamily="34" charset="-122"/>
+                          <a:latin typeface="华文细黑" panose="02010600040101010101" pitchFamily="2" charset="-122"/>
+                          <a:ea typeface="华文细黑" panose="02010600040101010101" pitchFamily="2" charset="-122"/>
                         </a:rPr>
                         <a:t>写 </a:t>
                       </a:r>
@@ -13448,8 +13958,8 @@
                             </a:schemeClr>
                           </a:solidFill>
                           <a:effectLst/>
-                          <a:latin typeface="Microsoft YaHei" panose="020B0503020204020204" pitchFamily="34" charset="-122"/>
-                          <a:ea typeface="Microsoft YaHei" panose="020B0503020204020204" pitchFamily="34" charset="-122"/>
+                          <a:latin typeface="华文细黑" panose="02010600040101010101" pitchFamily="2" charset="-122"/>
+                          <a:ea typeface="华文细黑" panose="02010600040101010101" pitchFamily="2" charset="-122"/>
                         </a:rPr>
                         <a:t>ch &lt;-</a:t>
                       </a:r>
@@ -13460,6 +13970,8 @@
                           </a:schemeClr>
                         </a:solidFill>
                         <a:effectLst/>
+                        <a:latin typeface="华文细黑" panose="02010600040101010101" pitchFamily="2" charset="-122"/>
+                        <a:ea typeface="华文细黑" panose="02010600040101010101" pitchFamily="2" charset="-122"/>
                       </a:endParaRPr>
                     </a:p>
                   </a:txBody>
@@ -13516,8 +14028,8 @@
                             </a:schemeClr>
                           </a:solidFill>
                           <a:effectLst/>
-                          <a:latin typeface="Microsoft YaHei" panose="020B0503020204020204" pitchFamily="34" charset="-122"/>
-                          <a:ea typeface="Microsoft YaHei" panose="020B0503020204020204" pitchFamily="34" charset="-122"/>
+                          <a:latin typeface="华文细黑" panose="02010600040101010101" pitchFamily="2" charset="-122"/>
+                          <a:ea typeface="华文细黑" panose="02010600040101010101" pitchFamily="2" charset="-122"/>
                         </a:rPr>
                         <a:t>阻塞</a:t>
                       </a:r>
@@ -13528,6 +14040,8 @@
                           </a:schemeClr>
                         </a:solidFill>
                         <a:effectLst/>
+                        <a:latin typeface="华文细黑" panose="02010600040101010101" pitchFamily="2" charset="-122"/>
+                        <a:ea typeface="华文细黑" panose="02010600040101010101" pitchFamily="2" charset="-122"/>
                       </a:endParaRPr>
                     </a:p>
                   </a:txBody>
@@ -13584,8 +14098,8 @@
                             </a:schemeClr>
                           </a:solidFill>
                           <a:effectLst/>
-                          <a:latin typeface="Microsoft YaHei" panose="020B0503020204020204" pitchFamily="34" charset="-122"/>
-                          <a:ea typeface="Microsoft YaHei" panose="020B0503020204020204" pitchFamily="34" charset="-122"/>
+                          <a:latin typeface="华文细黑" panose="02010600040101010101" pitchFamily="2" charset="-122"/>
+                          <a:ea typeface="华文细黑" panose="02010600040101010101" pitchFamily="2" charset="-122"/>
                         </a:rPr>
                         <a:t>panic</a:t>
                       </a:r>
@@ -13596,6 +14110,8 @@
                           </a:schemeClr>
                         </a:solidFill>
                         <a:effectLst/>
+                        <a:latin typeface="华文细黑" panose="02010600040101010101" pitchFamily="2" charset="-122"/>
+                        <a:ea typeface="华文细黑" panose="02010600040101010101" pitchFamily="2" charset="-122"/>
                       </a:endParaRPr>
                     </a:p>
                   </a:txBody>
@@ -13652,8 +14168,8 @@
                             </a:schemeClr>
                           </a:solidFill>
                           <a:effectLst/>
-                          <a:latin typeface="Microsoft YaHei" panose="020B0503020204020204" pitchFamily="34" charset="-122"/>
-                          <a:ea typeface="Microsoft YaHei" panose="020B0503020204020204" pitchFamily="34" charset="-122"/>
+                          <a:latin typeface="华文细黑" panose="02010600040101010101" pitchFamily="2" charset="-122"/>
+                          <a:ea typeface="华文细黑" panose="02010600040101010101" pitchFamily="2" charset="-122"/>
                         </a:rPr>
                         <a:t>阻塞或正常写入数据。非缓冲型 </a:t>
                       </a:r>
@@ -13665,8 +14181,8 @@
                             </a:schemeClr>
                           </a:solidFill>
                           <a:effectLst/>
-                          <a:latin typeface="Microsoft YaHei" panose="020B0503020204020204" pitchFamily="34" charset="-122"/>
-                          <a:ea typeface="Microsoft YaHei" panose="020B0503020204020204" pitchFamily="34" charset="-122"/>
+                          <a:latin typeface="华文细黑" panose="02010600040101010101" pitchFamily="2" charset="-122"/>
+                          <a:ea typeface="华文细黑" panose="02010600040101010101" pitchFamily="2" charset="-122"/>
                         </a:rPr>
                         <a:t>channel </a:t>
                       </a:r>
@@ -13678,8 +14194,8 @@
                             </a:schemeClr>
                           </a:solidFill>
                           <a:effectLst/>
-                          <a:latin typeface="Microsoft YaHei" panose="020B0503020204020204" pitchFamily="34" charset="-122"/>
-                          <a:ea typeface="Microsoft YaHei" panose="020B0503020204020204" pitchFamily="34" charset="-122"/>
+                          <a:latin typeface="华文细黑" panose="02010600040101010101" pitchFamily="2" charset="-122"/>
+                          <a:ea typeface="华文细黑" panose="02010600040101010101" pitchFamily="2" charset="-122"/>
                         </a:rPr>
                         <a:t>没有等待接收者或缓冲型 </a:t>
                       </a:r>
@@ -13691,8 +14207,8 @@
                             </a:schemeClr>
                           </a:solidFill>
                           <a:effectLst/>
-                          <a:latin typeface="Microsoft YaHei" panose="020B0503020204020204" pitchFamily="34" charset="-122"/>
-                          <a:ea typeface="Microsoft YaHei" panose="020B0503020204020204" pitchFamily="34" charset="-122"/>
+                          <a:latin typeface="华文细黑" panose="02010600040101010101" pitchFamily="2" charset="-122"/>
+                          <a:ea typeface="华文细黑" panose="02010600040101010101" pitchFamily="2" charset="-122"/>
                         </a:rPr>
                         <a:t>channel </a:t>
                       </a:r>
@@ -13704,8 +14220,8 @@
                             </a:schemeClr>
                           </a:solidFill>
                           <a:effectLst/>
-                          <a:latin typeface="Microsoft YaHei" panose="020B0503020204020204" pitchFamily="34" charset="-122"/>
-                          <a:ea typeface="Microsoft YaHei" panose="020B0503020204020204" pitchFamily="34" charset="-122"/>
+                          <a:latin typeface="华文细黑" panose="02010600040101010101" pitchFamily="2" charset="-122"/>
+                          <a:ea typeface="华文细黑" panose="02010600040101010101" pitchFamily="2" charset="-122"/>
                         </a:rPr>
                         <a:t>buf</a:t>
                       </a:r>
@@ -13717,8 +14233,8 @@
                             </a:schemeClr>
                           </a:solidFill>
                           <a:effectLst/>
-                          <a:latin typeface="Microsoft YaHei" panose="020B0503020204020204" pitchFamily="34" charset="-122"/>
-                          <a:ea typeface="Microsoft YaHei" panose="020B0503020204020204" pitchFamily="34" charset="-122"/>
+                          <a:latin typeface="华文细黑" panose="02010600040101010101" pitchFamily="2" charset="-122"/>
+                          <a:ea typeface="华文细黑" panose="02010600040101010101" pitchFamily="2" charset="-122"/>
                         </a:rPr>
                         <a:t> </a:t>
                       </a:r>
@@ -13730,8 +14246,8 @@
                             </a:schemeClr>
                           </a:solidFill>
                           <a:effectLst/>
-                          <a:latin typeface="Microsoft YaHei" panose="020B0503020204020204" pitchFamily="34" charset="-122"/>
-                          <a:ea typeface="Microsoft YaHei" panose="020B0503020204020204" pitchFamily="34" charset="-122"/>
+                          <a:latin typeface="华文细黑" panose="02010600040101010101" pitchFamily="2" charset="-122"/>
+                          <a:ea typeface="华文细黑" panose="02010600040101010101" pitchFamily="2" charset="-122"/>
                         </a:rPr>
                         <a:t>满时会被阻塞</a:t>
                       </a:r>
@@ -13742,6 +14258,8 @@
                           </a:schemeClr>
                         </a:solidFill>
                         <a:effectLst/>
+                        <a:latin typeface="华文细黑" panose="02010600040101010101" pitchFamily="2" charset="-122"/>
+                        <a:ea typeface="华文细黑" panose="02010600040101010101" pitchFamily="2" charset="-122"/>
                       </a:endParaRPr>
                     </a:p>
                   </a:txBody>
@@ -13984,15 +14502,6 @@
               </a:rPr>
               <a:t>Mutex</a:t>
             </a:r>
-          </a:p>
-          <a:p>
-            <a:pPr>
-              <a:lnSpc>
-                <a:spcPct val="150000"/>
-              </a:lnSpc>
-              <a:buFont typeface="Wingdings" panose="05000000000000000000" pitchFamily="2" charset="2"/>
-              <a:buChar char="n"/>
-            </a:pPr>
             <a:r>
               <a:rPr lang="zh-CN" altLang="en-US" sz="3200" dirty="0">
                 <a:solidFill>
@@ -14002,7 +14511,7 @@
                 <a:ea typeface="华文细黑" panose="02010600040101010101" pitchFamily="2" charset="-122"/>
                 <a:cs typeface="STHeiti Light" charset="-122"/>
               </a:rPr>
-              <a:t>使用</a:t>
+              <a:t>、</a:t>
             </a:r>
             <a:r>
               <a:rPr lang="en-US" altLang="zh-CN" sz="3200" dirty="0">
@@ -14015,15 +14524,6 @@
               </a:rPr>
               <a:t>Once</a:t>
             </a:r>
-          </a:p>
-          <a:p>
-            <a:pPr>
-              <a:lnSpc>
-                <a:spcPct val="150000"/>
-              </a:lnSpc>
-              <a:buFont typeface="Wingdings" panose="05000000000000000000" pitchFamily="2" charset="2"/>
-              <a:buChar char="n"/>
-            </a:pPr>
             <a:r>
               <a:rPr lang="zh-CN" altLang="en-US" sz="3200" dirty="0">
                 <a:solidFill>
@@ -14033,7 +14533,7 @@
                 <a:ea typeface="华文细黑" panose="02010600040101010101" pitchFamily="2" charset="-122"/>
                 <a:cs typeface="STHeiti Light" charset="-122"/>
               </a:rPr>
-              <a:t>使用</a:t>
+              <a:t>、</a:t>
             </a:r>
             <a:r>
               <a:rPr lang="en-US" altLang="zh-CN" sz="3200" dirty="0">
@@ -14156,7 +14656,149 @@
                 <a:ea typeface="华文细黑" panose="02010600040101010101" pitchFamily="2" charset="-122"/>
                 <a:cs typeface="STHeiti Light" charset="-122"/>
               </a:rPr>
-              <a:t>其他：文件锁，定时器等</a:t>
+              <a:t>子仓库 </a:t>
+            </a:r>
+            <a:r>
+              <a:rPr lang="en-US" altLang="zh-CN" sz="3200" dirty="0">
+                <a:solidFill>
+                  <a:srgbClr val="000000"/>
+                </a:solidFill>
+                <a:latin typeface="华文细黑" panose="02010600040101010101" pitchFamily="2" charset="-122"/>
+                <a:ea typeface="华文细黑" panose="02010600040101010101" pitchFamily="2" charset="-122"/>
+                <a:cs typeface="STHeiti Light" charset="-122"/>
+              </a:rPr>
+              <a:t>x/sync </a:t>
+            </a:r>
+            <a:r>
+              <a:rPr lang="zh-CN" altLang="en-US" sz="3200" dirty="0">
+                <a:solidFill>
+                  <a:srgbClr val="000000"/>
+                </a:solidFill>
+                <a:latin typeface="华文细黑" panose="02010600040101010101" pitchFamily="2" charset="-122"/>
+                <a:ea typeface="华文细黑" panose="02010600040101010101" pitchFamily="2" charset="-122"/>
+                <a:cs typeface="STHeiti Light" charset="-122"/>
+              </a:rPr>
+              <a:t>中的包：</a:t>
+            </a:r>
+            <a:r>
+              <a:rPr lang="en-US" altLang="zh-CN" sz="3200" dirty="0" err="1">
+                <a:solidFill>
+                  <a:srgbClr val="000000"/>
+                </a:solidFill>
+                <a:latin typeface="华文细黑" panose="02010600040101010101" pitchFamily="2" charset="-122"/>
+                <a:ea typeface="华文细黑" panose="02010600040101010101" pitchFamily="2" charset="-122"/>
+                <a:cs typeface="STHeiti Light" charset="-122"/>
+                <a:hlinkClick r:id="rId3"/>
+              </a:rPr>
+              <a:t>ErrGroup</a:t>
+            </a:r>
+            <a:r>
+              <a:rPr lang="zh-CN" altLang="en-US" sz="3200" dirty="0">
+                <a:solidFill>
+                  <a:srgbClr val="000000"/>
+                </a:solidFill>
+                <a:latin typeface="华文细黑" panose="02010600040101010101" pitchFamily="2" charset="-122"/>
+                <a:ea typeface="华文细黑" panose="02010600040101010101" pitchFamily="2" charset="-122"/>
+                <a:cs typeface="STHeiti Light" charset="-122"/>
+              </a:rPr>
+              <a:t>、</a:t>
+            </a:r>
+            <a:r>
+              <a:rPr lang="en-US" altLang="zh-CN" sz="3200" dirty="0">
+                <a:solidFill>
+                  <a:srgbClr val="000000"/>
+                </a:solidFill>
+                <a:latin typeface="华文细黑" panose="02010600040101010101" pitchFamily="2" charset="-122"/>
+                <a:ea typeface="华文细黑" panose="02010600040101010101" pitchFamily="2" charset="-122"/>
+                <a:cs typeface="STHeiti Light" charset="-122"/>
+                <a:hlinkClick r:id="rId4"/>
+              </a:rPr>
+              <a:t>Semaphore</a:t>
+            </a:r>
+            <a:r>
+              <a:rPr lang="en-US" altLang="zh-CN" sz="3200" dirty="0">
+                <a:solidFill>
+                  <a:srgbClr val="000000"/>
+                </a:solidFill>
+                <a:latin typeface="华文细黑" panose="02010600040101010101" pitchFamily="2" charset="-122"/>
+                <a:ea typeface="华文细黑" panose="02010600040101010101" pitchFamily="2" charset="-122"/>
+                <a:cs typeface="STHeiti Light" charset="-122"/>
+              </a:rPr>
+              <a:t> </a:t>
+            </a:r>
+            <a:r>
+              <a:rPr lang="zh-CN" altLang="en-US" sz="3200" dirty="0">
+                <a:solidFill>
+                  <a:srgbClr val="000000"/>
+                </a:solidFill>
+                <a:latin typeface="华文细黑" panose="02010600040101010101" pitchFamily="2" charset="-122"/>
+                <a:ea typeface="华文细黑" panose="02010600040101010101" pitchFamily="2" charset="-122"/>
+                <a:cs typeface="STHeiti Light" charset="-122"/>
+              </a:rPr>
+              <a:t>和 </a:t>
+            </a:r>
+            <a:r>
+              <a:rPr lang="en-US" altLang="zh-CN" sz="3200" dirty="0" err="1">
+                <a:solidFill>
+                  <a:srgbClr val="000000"/>
+                </a:solidFill>
+                <a:latin typeface="华文细黑" panose="02010600040101010101" pitchFamily="2" charset="-122"/>
+                <a:ea typeface="华文细黑" panose="02010600040101010101" pitchFamily="2" charset="-122"/>
+                <a:cs typeface="STHeiti Light" charset="-122"/>
+                <a:hlinkClick r:id="rId5"/>
+              </a:rPr>
+              <a:t>SingleFlight</a:t>
+            </a:r>
+            <a:endParaRPr lang="en-US" altLang="zh-CN" sz="3200" dirty="0">
+              <a:solidFill>
+                <a:srgbClr val="000000"/>
+              </a:solidFill>
+              <a:latin typeface="华文细黑" panose="02010600040101010101" pitchFamily="2" charset="-122"/>
+              <a:ea typeface="华文细黑" panose="02010600040101010101" pitchFamily="2" charset="-122"/>
+              <a:cs typeface="STHeiti Light" charset="-122"/>
+            </a:endParaRPr>
+          </a:p>
+          <a:p>
+            <a:pPr>
+              <a:lnSpc>
+                <a:spcPct val="150000"/>
+              </a:lnSpc>
+              <a:buFont typeface="Wingdings" panose="05000000000000000000" pitchFamily="2" charset="2"/>
+              <a:buChar char="n"/>
+            </a:pPr>
+            <a:r>
+              <a:rPr lang="zh-CN" altLang="en-US" sz="3200" dirty="0">
+                <a:solidFill>
+                  <a:srgbClr val="000000"/>
+                </a:solidFill>
+                <a:latin typeface="华文细黑" panose="02010600040101010101" pitchFamily="2" charset="-122"/>
+                <a:ea typeface="华文细黑" panose="02010600040101010101" pitchFamily="2" charset="-122"/>
+                <a:cs typeface="STHeiti Light" charset="-122"/>
+              </a:rPr>
+              <a:t>其他：</a:t>
+            </a:r>
+            <a:r>
+              <a:rPr lang="zh-CN" altLang="en-US" sz="3200" dirty="0">
+                <a:solidFill>
+                  <a:srgbClr val="000000"/>
+                </a:solidFill>
+                <a:latin typeface="华文细黑" panose="02010600040101010101" pitchFamily="2" charset="-122"/>
+                <a:ea typeface="华文细黑" panose="02010600040101010101" pitchFamily="2" charset="-122"/>
+                <a:cs typeface="STHeiti Light" charset="-122"/>
+                <a:hlinkClick r:id="rId6"/>
+              </a:rPr>
+              <a:t>文件锁</a:t>
+            </a:r>
+            <a:r>
+              <a:rPr lang="zh-CN" altLang="en-US" sz="3200" dirty="0">
+                <a:solidFill>
+                  <a:srgbClr val="000000"/>
+                </a:solidFill>
+                <a:latin typeface="华文细黑" panose="02010600040101010101" pitchFamily="2" charset="-122"/>
+                <a:ea typeface="华文细黑" panose="02010600040101010101" pitchFamily="2" charset="-122"/>
+                <a:cs typeface="STHeiti Light" charset="-122"/>
+              </a:rPr>
+              <a:t>，定时器等</a:t>
             </a:r>
             <a:endParaRPr lang="en-US" altLang="zh-CN" sz="3200" dirty="0">
               <a:solidFill>
@@ -16892,7 +17534,7 @@
           </a:ln>
           <a:extLst>
             <a:ext uri="{C572A759-6A51-4108-AA02-DFA0A04FC94B}">
-              <ma14:wrappingTextBoxFlag xmlns:ma14="http://schemas.microsoft.com/office/mac/drawingml/2011/main" xmlns="" val="1"/>
+              <ma14:wrappingTextBoxFlag xmlns="" xmlns:ma14="http://schemas.microsoft.com/office/mac/drawingml/2011/main" val="1"/>
             </a:ext>
           </a:extLst>
         </p:spPr>
@@ -19916,16 +20558,6 @@
               <a:t>errgroup</a:t>
             </a:r>
             <a:r>
-              <a:rPr lang="zh-CN" altLang="en-US" sz="4800" b="1" dirty="0">
-                <a:solidFill>
-                  <a:srgbClr val="439EFF"/>
-                </a:solidFill>
-                <a:latin typeface="幼圆" pitchFamily="49" charset="-122"/>
-                <a:ea typeface="幼圆" pitchFamily="49" charset="-122"/>
-              </a:rPr>
-              <a:t>例子</a:t>
-            </a:r>
-            <a:r>
               <a:rPr lang="en-US" altLang="zh-CN" sz="4800" b="1" dirty="0">
                 <a:solidFill>
                   <a:srgbClr val="439EFF"/>
@@ -21407,6 +22039,17 @@
               <a:buNone/>
             </a:pPr>
             <a:r>
+              <a:rPr kumimoji="1" lang="en-US" altLang="zh-CN" dirty="0" err="1">
+                <a:solidFill>
+                  <a:srgbClr val="000000"/>
+                </a:solidFill>
+                <a:latin typeface="华文细黑" panose="02010600040101010101" pitchFamily="2" charset="-122"/>
+                <a:ea typeface="华文细黑" panose="02010600040101010101" pitchFamily="2" charset="-122"/>
+                <a:cs typeface="STHeiti Light" charset="-122"/>
+              </a:rPr>
+              <a:t>Errgroup</a:t>
+            </a:r>
+            <a:r>
               <a:rPr kumimoji="1" lang="zh-CN" altLang="en-US" dirty="0">
                 <a:solidFill>
                   <a:srgbClr val="000000"/>
@@ -21415,10 +22058,425 @@
                 <a:ea typeface="华文细黑" panose="02010600040101010101" pitchFamily="2" charset="-122"/>
                 <a:cs typeface="STHeiti Light" charset="-122"/>
               </a:rPr>
+              <a:t>：在一组 </a:t>
+            </a:r>
+            <a:r>
+              <a:rPr kumimoji="1" lang="en-US" altLang="zh-CN" dirty="0">
+                <a:solidFill>
+                  <a:srgbClr val="000000"/>
+                </a:solidFill>
+                <a:latin typeface="华文细黑" panose="02010600040101010101" pitchFamily="2" charset="-122"/>
+                <a:ea typeface="华文细黑" panose="02010600040101010101" pitchFamily="2" charset="-122"/>
+                <a:cs typeface="STHeiti Light" charset="-122"/>
+              </a:rPr>
+              <a:t>Goroutine </a:t>
+            </a:r>
+            <a:r>
+              <a:rPr kumimoji="1" lang="zh-CN" altLang="en-US" dirty="0">
+                <a:solidFill>
+                  <a:srgbClr val="000000"/>
+                </a:solidFill>
+                <a:latin typeface="华文细黑" panose="02010600040101010101" pitchFamily="2" charset="-122"/>
+                <a:ea typeface="华文细黑" panose="02010600040101010101" pitchFamily="2" charset="-122"/>
+                <a:cs typeface="STHeiti Light" charset="-122"/>
+              </a:rPr>
+              <a:t>中提供了同步、错误传播以及上下文取消的功能</a:t>
+            </a:r>
+            <a:endParaRPr kumimoji="1" lang="en-US" altLang="zh-CN" dirty="0">
+              <a:solidFill>
+                <a:srgbClr val="000000"/>
+              </a:solidFill>
+              <a:latin typeface="华文细黑" panose="02010600040101010101" pitchFamily="2" charset="-122"/>
+              <a:ea typeface="华文细黑" panose="02010600040101010101" pitchFamily="2" charset="-122"/>
+              <a:cs typeface="STHeiti Light" charset="-122"/>
+            </a:endParaRPr>
+          </a:p>
+          <a:p>
+            <a:pPr marL="0" indent="0">
+              <a:buNone/>
+            </a:pPr>
+            <a:endParaRPr kumimoji="1" lang="en-US" altLang="zh-CN" dirty="0">
+              <a:solidFill>
+                <a:srgbClr val="000000"/>
+              </a:solidFill>
+              <a:latin typeface="华文细黑" panose="02010600040101010101" pitchFamily="2" charset="-122"/>
+              <a:ea typeface="华文细黑" panose="02010600040101010101" pitchFamily="2" charset="-122"/>
+              <a:cs typeface="STHeiti Light" charset="-122"/>
+            </a:endParaRPr>
+          </a:p>
+          <a:p>
+            <a:pPr>
+              <a:buFont typeface="Wingdings" panose="05000000000000000000" pitchFamily="2" charset="2"/>
+              <a:buChar char="l"/>
+            </a:pPr>
+            <a:r>
+              <a:rPr kumimoji="1" lang="zh-CN" altLang="en-US" dirty="0">
+                <a:solidFill>
+                  <a:srgbClr val="000000"/>
+                </a:solidFill>
+                <a:latin typeface="华文细黑" panose="02010600040101010101" pitchFamily="2" charset="-122"/>
+                <a:ea typeface="华文细黑" panose="02010600040101010101" pitchFamily="2" charset="-122"/>
+                <a:cs typeface="STHeiti Light" charset="-122"/>
+              </a:rPr>
+              <a:t>主要</a:t>
+            </a:r>
+            <a:r>
+              <a:rPr kumimoji="1" lang="en-US" altLang="zh-CN" dirty="0">
+                <a:solidFill>
+                  <a:srgbClr val="000000"/>
+                </a:solidFill>
+                <a:latin typeface="华文细黑" panose="02010600040101010101" pitchFamily="2" charset="-122"/>
+                <a:ea typeface="华文细黑" panose="02010600040101010101" pitchFamily="2" charset="-122"/>
+                <a:cs typeface="STHeiti Light" charset="-122"/>
+              </a:rPr>
+              <a:t>functions</a:t>
+            </a:r>
+            <a:r>
+              <a:rPr kumimoji="1" lang="zh-CN" altLang="en-US" dirty="0">
+                <a:solidFill>
+                  <a:srgbClr val="000000"/>
+                </a:solidFill>
+                <a:latin typeface="华文细黑" panose="02010600040101010101" pitchFamily="2" charset="-122"/>
+                <a:ea typeface="华文细黑" panose="02010600040101010101" pitchFamily="2" charset="-122"/>
+                <a:cs typeface="STHeiti Light" charset="-122"/>
+              </a:rPr>
+              <a:t>：</a:t>
+            </a:r>
+            <a:endParaRPr kumimoji="1" lang="en-US" altLang="zh-CN" dirty="0">
+              <a:solidFill>
+                <a:srgbClr val="000000"/>
+              </a:solidFill>
+              <a:latin typeface="华文细黑" panose="02010600040101010101" pitchFamily="2" charset="-122"/>
+              <a:ea typeface="华文细黑" panose="02010600040101010101" pitchFamily="2" charset="-122"/>
+              <a:cs typeface="STHeiti Light" charset="-122"/>
+            </a:endParaRPr>
+          </a:p>
+          <a:p>
+            <a:pPr marL="0" indent="0">
+              <a:buNone/>
+            </a:pPr>
+            <a:r>
+              <a:rPr kumimoji="1" lang="en-US" altLang="zh-CN" sz="1600" i="1" dirty="0">
+                <a:solidFill>
+                  <a:srgbClr val="000000"/>
+                </a:solidFill>
+                <a:latin typeface="华文细黑" panose="02010600040101010101" pitchFamily="2" charset="-122"/>
+                <a:ea typeface="华文细黑" panose="02010600040101010101" pitchFamily="2" charset="-122"/>
+                <a:cs typeface="STHeiti Light" charset="-122"/>
+              </a:rPr>
+              <a:t>       </a:t>
+            </a:r>
+            <a:r>
+              <a:rPr kumimoji="1" lang="en-US" altLang="zh-CN" sz="1600" i="1" dirty="0" err="1">
+                <a:solidFill>
+                  <a:srgbClr val="000000"/>
+                </a:solidFill>
+                <a:latin typeface="华文细黑" panose="02010600040101010101" pitchFamily="2" charset="-122"/>
+                <a:ea typeface="华文细黑" panose="02010600040101010101" pitchFamily="2" charset="-122"/>
+                <a:cs typeface="STHeiti Light" charset="-122"/>
+              </a:rPr>
+              <a:t>func</a:t>
+            </a:r>
+            <a:r>
+              <a:rPr kumimoji="1" lang="en-US" altLang="zh-CN" sz="1600" i="1" dirty="0">
+                <a:solidFill>
+                  <a:srgbClr val="000000"/>
+                </a:solidFill>
+                <a:latin typeface="华文细黑" panose="02010600040101010101" pitchFamily="2" charset="-122"/>
+                <a:ea typeface="华文细黑" panose="02010600040101010101" pitchFamily="2" charset="-122"/>
+                <a:cs typeface="STHeiti Light" charset="-122"/>
+              </a:rPr>
+              <a:t> </a:t>
+            </a:r>
+            <a:r>
+              <a:rPr kumimoji="1" lang="en-US" altLang="zh-CN" sz="1600" i="1" dirty="0" err="1">
+                <a:solidFill>
+                  <a:srgbClr val="000000"/>
+                </a:solidFill>
+                <a:latin typeface="华文细黑" panose="02010600040101010101" pitchFamily="2" charset="-122"/>
+                <a:ea typeface="华文细黑" panose="02010600040101010101" pitchFamily="2" charset="-122"/>
+                <a:cs typeface="STHeiti Light" charset="-122"/>
+              </a:rPr>
+              <a:t>WithContext</a:t>
+            </a:r>
+            <a:r>
+              <a:rPr kumimoji="1" lang="en-US" altLang="zh-CN" sz="1600" i="1" dirty="0">
+                <a:solidFill>
+                  <a:srgbClr val="000000"/>
+                </a:solidFill>
+                <a:latin typeface="华文细黑" panose="02010600040101010101" pitchFamily="2" charset="-122"/>
+                <a:ea typeface="华文细黑" panose="02010600040101010101" pitchFamily="2" charset="-122"/>
+                <a:cs typeface="STHeiti Light" charset="-122"/>
+              </a:rPr>
+              <a:t>(</a:t>
+            </a:r>
+            <a:r>
+              <a:rPr kumimoji="1" lang="en-US" altLang="zh-CN" sz="1600" i="1" dirty="0" err="1">
+                <a:solidFill>
+                  <a:srgbClr val="000000"/>
+                </a:solidFill>
+                <a:latin typeface="华文细黑" panose="02010600040101010101" pitchFamily="2" charset="-122"/>
+                <a:ea typeface="华文细黑" panose="02010600040101010101" pitchFamily="2" charset="-122"/>
+                <a:cs typeface="STHeiti Light" charset="-122"/>
+              </a:rPr>
+              <a:t>ctx</a:t>
+            </a:r>
+            <a:r>
+              <a:rPr kumimoji="1" lang="en-US" altLang="zh-CN" sz="1600" i="1" dirty="0">
+                <a:solidFill>
+                  <a:srgbClr val="000000"/>
+                </a:solidFill>
+                <a:latin typeface="华文细黑" panose="02010600040101010101" pitchFamily="2" charset="-122"/>
+                <a:ea typeface="华文细黑" panose="02010600040101010101" pitchFamily="2" charset="-122"/>
+                <a:cs typeface="STHeiti Light" charset="-122"/>
+              </a:rPr>
+              <a:t> </a:t>
+            </a:r>
+            <a:r>
+              <a:rPr kumimoji="1" lang="en-US" altLang="zh-CN" sz="1600" i="1" dirty="0" err="1">
+                <a:solidFill>
+                  <a:srgbClr val="000000"/>
+                </a:solidFill>
+                <a:latin typeface="华文细黑" panose="02010600040101010101" pitchFamily="2" charset="-122"/>
+                <a:ea typeface="华文细黑" panose="02010600040101010101" pitchFamily="2" charset="-122"/>
+                <a:cs typeface="STHeiti Light" charset="-122"/>
+              </a:rPr>
+              <a:t>context.Context</a:t>
+            </a:r>
+            <a:r>
+              <a:rPr kumimoji="1" lang="en-US" altLang="zh-CN" sz="1600" i="1" dirty="0">
+                <a:solidFill>
+                  <a:srgbClr val="000000"/>
+                </a:solidFill>
+                <a:latin typeface="华文细黑" panose="02010600040101010101" pitchFamily="2" charset="-122"/>
+                <a:ea typeface="华文细黑" panose="02010600040101010101" pitchFamily="2" charset="-122"/>
+                <a:cs typeface="STHeiti Light" charset="-122"/>
+              </a:rPr>
+              <a:t>) (*Group, </a:t>
+            </a:r>
+            <a:r>
+              <a:rPr kumimoji="1" lang="en-US" altLang="zh-CN" sz="1600" i="1" dirty="0" err="1">
+                <a:solidFill>
+                  <a:srgbClr val="000000"/>
+                </a:solidFill>
+                <a:latin typeface="华文细黑" panose="02010600040101010101" pitchFamily="2" charset="-122"/>
+                <a:ea typeface="华文细黑" panose="02010600040101010101" pitchFamily="2" charset="-122"/>
+                <a:cs typeface="STHeiti Light" charset="-122"/>
+              </a:rPr>
+              <a:t>context.Context</a:t>
+            </a:r>
+            <a:r>
+              <a:rPr kumimoji="1" lang="en-US" altLang="zh-CN" sz="1600" i="1" dirty="0">
+                <a:solidFill>
+                  <a:srgbClr val="000000"/>
+                </a:solidFill>
+                <a:latin typeface="华文细黑" panose="02010600040101010101" pitchFamily="2" charset="-122"/>
+                <a:ea typeface="华文细黑" panose="02010600040101010101" pitchFamily="2" charset="-122"/>
+                <a:cs typeface="STHeiti Light" charset="-122"/>
+              </a:rPr>
+              <a:t>)</a:t>
+            </a:r>
+          </a:p>
+          <a:p>
+            <a:pPr marL="0" indent="0">
+              <a:buNone/>
+            </a:pPr>
+            <a:r>
+              <a:rPr kumimoji="1" lang="en-US" altLang="zh-CN" sz="1600" i="1" dirty="0">
+                <a:solidFill>
+                  <a:srgbClr val="000000"/>
+                </a:solidFill>
+                <a:latin typeface="华文细黑" panose="02010600040101010101" pitchFamily="2" charset="-122"/>
+                <a:ea typeface="华文细黑" panose="02010600040101010101" pitchFamily="2" charset="-122"/>
+                <a:cs typeface="STHeiti Light" charset="-122"/>
+              </a:rPr>
+              <a:t>      </a:t>
+            </a:r>
+            <a:r>
+              <a:rPr kumimoji="1" lang="en-US" altLang="zh-CN" sz="1600" i="1" dirty="0" err="1">
+                <a:solidFill>
+                  <a:srgbClr val="000000"/>
+                </a:solidFill>
+                <a:latin typeface="华文细黑" panose="02010600040101010101" pitchFamily="2" charset="-122"/>
+                <a:ea typeface="华文细黑" panose="02010600040101010101" pitchFamily="2" charset="-122"/>
+                <a:cs typeface="STHeiti Light" charset="-122"/>
+              </a:rPr>
+              <a:t>func</a:t>
+            </a:r>
+            <a:r>
+              <a:rPr kumimoji="1" lang="en-US" altLang="zh-CN" sz="1600" i="1" dirty="0">
+                <a:solidFill>
+                  <a:srgbClr val="000000"/>
+                </a:solidFill>
+                <a:latin typeface="华文细黑" panose="02010600040101010101" pitchFamily="2" charset="-122"/>
+                <a:ea typeface="华文细黑" panose="02010600040101010101" pitchFamily="2" charset="-122"/>
+                <a:cs typeface="STHeiti Light" charset="-122"/>
+              </a:rPr>
+              <a:t> (g *Group) Go(f </a:t>
+            </a:r>
+            <a:r>
+              <a:rPr kumimoji="1" lang="en-US" altLang="zh-CN" sz="1600" i="1" dirty="0" err="1">
+                <a:solidFill>
+                  <a:srgbClr val="000000"/>
+                </a:solidFill>
+                <a:latin typeface="华文细黑" panose="02010600040101010101" pitchFamily="2" charset="-122"/>
+                <a:ea typeface="华文细黑" panose="02010600040101010101" pitchFamily="2" charset="-122"/>
+                <a:cs typeface="STHeiti Light" charset="-122"/>
+              </a:rPr>
+              <a:t>func</a:t>
+            </a:r>
+            <a:r>
+              <a:rPr kumimoji="1" lang="en-US" altLang="zh-CN" sz="1600" i="1" dirty="0">
+                <a:solidFill>
+                  <a:srgbClr val="000000"/>
+                </a:solidFill>
+                <a:latin typeface="华文细黑" panose="02010600040101010101" pitchFamily="2" charset="-122"/>
+                <a:ea typeface="华文细黑" panose="02010600040101010101" pitchFamily="2" charset="-122"/>
+                <a:cs typeface="STHeiti Light" charset="-122"/>
+              </a:rPr>
+              <a:t>() error)</a:t>
+            </a:r>
+          </a:p>
+          <a:p>
+            <a:pPr marL="0" indent="0">
+              <a:buNone/>
+            </a:pPr>
+            <a:r>
+              <a:rPr kumimoji="1" lang="en-US" altLang="zh-CN" sz="1600" i="1" dirty="0">
+                <a:solidFill>
+                  <a:srgbClr val="000000"/>
+                </a:solidFill>
+                <a:latin typeface="华文细黑" panose="02010600040101010101" pitchFamily="2" charset="-122"/>
+                <a:ea typeface="华文细黑" panose="02010600040101010101" pitchFamily="2" charset="-122"/>
+                <a:cs typeface="STHeiti Light" charset="-122"/>
+              </a:rPr>
+              <a:t>      </a:t>
+            </a:r>
+            <a:r>
+              <a:rPr kumimoji="1" lang="en-US" altLang="zh-CN" sz="1600" i="1" dirty="0" err="1">
+                <a:solidFill>
+                  <a:srgbClr val="000000"/>
+                </a:solidFill>
+                <a:latin typeface="华文细黑" panose="02010600040101010101" pitchFamily="2" charset="-122"/>
+                <a:ea typeface="华文细黑" panose="02010600040101010101" pitchFamily="2" charset="-122"/>
+                <a:cs typeface="STHeiti Light" charset="-122"/>
+              </a:rPr>
+              <a:t>func</a:t>
+            </a:r>
+            <a:r>
+              <a:rPr kumimoji="1" lang="en-US" altLang="zh-CN" sz="1600" i="1" dirty="0">
+                <a:solidFill>
+                  <a:srgbClr val="000000"/>
+                </a:solidFill>
+                <a:latin typeface="华文细黑" panose="02010600040101010101" pitchFamily="2" charset="-122"/>
+                <a:ea typeface="华文细黑" panose="02010600040101010101" pitchFamily="2" charset="-122"/>
+                <a:cs typeface="STHeiti Light" charset="-122"/>
+              </a:rPr>
+              <a:t> (g *Group) Wait() error</a:t>
+            </a:r>
+          </a:p>
+          <a:p>
+            <a:pPr marL="0" indent="0">
+              <a:buNone/>
+            </a:pPr>
+            <a:endParaRPr kumimoji="1" lang="en-US" altLang="zh-CN" dirty="0">
+              <a:solidFill>
+                <a:srgbClr val="000000"/>
+              </a:solidFill>
+              <a:latin typeface="华文细黑" panose="02010600040101010101" pitchFamily="2" charset="-122"/>
+              <a:ea typeface="华文细黑" panose="02010600040101010101" pitchFamily="2" charset="-122"/>
+              <a:cs typeface="STHeiti Light" charset="-122"/>
+            </a:endParaRPr>
+          </a:p>
+          <a:p>
+            <a:pPr>
+              <a:buFont typeface="Wingdings" panose="05000000000000000000" pitchFamily="2" charset="2"/>
+              <a:buChar char="l"/>
+            </a:pPr>
+            <a:r>
+              <a:rPr kumimoji="1" lang="en-US" altLang="zh-CN" dirty="0">
+                <a:solidFill>
+                  <a:srgbClr val="000000"/>
+                </a:solidFill>
+                <a:latin typeface="华文细黑" panose="02010600040101010101" pitchFamily="2" charset="-122"/>
+                <a:ea typeface="华文细黑" panose="02010600040101010101" pitchFamily="2" charset="-122"/>
+                <a:cs typeface="STHeiti Light" charset="-122"/>
+              </a:rPr>
+              <a:t>Doc and example</a:t>
+            </a:r>
+            <a:r>
+              <a:rPr kumimoji="1" lang="zh-CN" altLang="en-US" dirty="0">
+                <a:solidFill>
+                  <a:srgbClr val="000000"/>
+                </a:solidFill>
+                <a:latin typeface="华文细黑" panose="02010600040101010101" pitchFamily="2" charset="-122"/>
+                <a:ea typeface="华文细黑" panose="02010600040101010101" pitchFamily="2" charset="-122"/>
+                <a:cs typeface="STHeiti Light" charset="-122"/>
+              </a:rPr>
+              <a:t>：</a:t>
+            </a:r>
+            <a:r>
+              <a:rPr lang="en-US" altLang="zh-CN" dirty="0">
+                <a:hlinkClick r:id="rId3"/>
+              </a:rPr>
+              <a:t>https://godoc.org/golang.org/x/sync/errgroup</a:t>
+            </a:r>
+            <a:r>
+              <a:rPr kumimoji="1" lang="zh-CN" altLang="en-US" dirty="0">
+                <a:solidFill>
+                  <a:srgbClr val="000000"/>
+                </a:solidFill>
+                <a:latin typeface="华文细黑" panose="02010600040101010101" pitchFamily="2" charset="-122"/>
+                <a:ea typeface="华文细黑" panose="02010600040101010101" pitchFamily="2" charset="-122"/>
+                <a:cs typeface="STHeiti Light" charset="-122"/>
+              </a:rPr>
+              <a:t> </a:t>
+            </a:r>
+            <a:r>
+              <a:rPr lang="en-US" altLang="zh-CN" dirty="0">
+                <a:hlinkClick r:id="rId4"/>
+              </a:rPr>
+              <a:t>https://godoc.org/golang.org/x/sync/errgroup#example-Group--JustErrors</a:t>
+            </a:r>
+            <a:endParaRPr kumimoji="1" lang="en-US" altLang="zh-CN" dirty="0">
+              <a:solidFill>
+                <a:srgbClr val="000000"/>
+              </a:solidFill>
+              <a:latin typeface="华文细黑" panose="02010600040101010101" pitchFamily="2" charset="-122"/>
+              <a:ea typeface="华文细黑" panose="02010600040101010101" pitchFamily="2" charset="-122"/>
+              <a:cs typeface="STHeiti Light" charset="-122"/>
+            </a:endParaRPr>
+          </a:p>
+          <a:p>
+            <a:pPr marL="0" indent="0">
+              <a:buNone/>
+            </a:pPr>
+            <a:endParaRPr kumimoji="1" lang="en-US" altLang="zh-CN" dirty="0">
+              <a:solidFill>
+                <a:srgbClr val="000000"/>
+              </a:solidFill>
+              <a:latin typeface="华文细黑" panose="02010600040101010101" pitchFamily="2" charset="-122"/>
+              <a:ea typeface="华文细黑" panose="02010600040101010101" pitchFamily="2" charset="-122"/>
+              <a:cs typeface="STHeiti Light" charset="-122"/>
+            </a:endParaRPr>
+          </a:p>
+          <a:p>
+            <a:pPr marL="0" indent="0">
+              <a:buNone/>
+            </a:pPr>
+            <a:r>
+              <a:rPr kumimoji="1" lang="zh-CN" altLang="en-US" i="1" dirty="0">
+                <a:solidFill>
+                  <a:srgbClr val="000000"/>
+                </a:solidFill>
+                <a:latin typeface="华文细黑" panose="02010600040101010101" pitchFamily="2" charset="-122"/>
+                <a:ea typeface="华文细黑" panose="02010600040101010101" pitchFamily="2" charset="-122"/>
+                <a:cs typeface="STHeiti Light" charset="-122"/>
+              </a:rPr>
               <a:t>在这个例子中，同时发起了两个调用，当任何一个调用超时或者出错后，会终止另一个调用。这里就是利用前面讲到的 </a:t>
             </a:r>
             <a:r>
-              <a:rPr kumimoji="1" lang="en-US" altLang="zh-CN" dirty="0" err="1">
+              <a:rPr kumimoji="1" lang="en-US" altLang="zh-CN" i="1" dirty="0" err="1">
                 <a:solidFill>
                   <a:srgbClr val="000000"/>
                 </a:solidFill>
@@ -21429,7 +22487,7 @@
               <a:t>errgroup</a:t>
             </a:r>
             <a:r>
-              <a:rPr kumimoji="1" lang="en-US" altLang="zh-CN" dirty="0">
+              <a:rPr kumimoji="1" lang="en-US" altLang="zh-CN" i="1" dirty="0">
                 <a:solidFill>
                   <a:srgbClr val="000000"/>
                 </a:solidFill>
@@ -21440,7 +22498,7 @@
               <a:t> </a:t>
             </a:r>
             <a:r>
-              <a:rPr kumimoji="1" lang="zh-CN" altLang="en-US" dirty="0">
+              <a:rPr kumimoji="1" lang="zh-CN" altLang="en-US" i="1" dirty="0">
                 <a:solidFill>
                   <a:srgbClr val="000000"/>
                 </a:solidFill>
@@ -21451,7 +22509,7 @@
               <a:t>来实现的，应对有很多并非请求，并需要集中处理超时、出错终止其它并发任务的时候，这个 </a:t>
             </a:r>
             <a:r>
-              <a:rPr kumimoji="1" lang="en-US" altLang="zh-CN" dirty="0">
+              <a:rPr kumimoji="1" lang="en-US" altLang="zh-CN" i="1" dirty="0">
                 <a:solidFill>
                   <a:srgbClr val="000000"/>
                 </a:solidFill>
@@ -21462,7 +22520,7 @@
               <a:t>pattern </a:t>
             </a:r>
             <a:r>
-              <a:rPr kumimoji="1" lang="zh-CN" altLang="en-US" dirty="0">
+              <a:rPr kumimoji="1" lang="zh-CN" altLang="en-US" i="1" dirty="0">
                 <a:solidFill>
                   <a:srgbClr val="000000"/>
                 </a:solidFill>
@@ -21472,6 +22530,24 @@
               </a:rPr>
               <a:t>使用起来很方便。</a:t>
             </a:r>
+          </a:p>
+          <a:p>
+            <a:pPr marL="0" indent="0">
+              <a:buNone/>
+            </a:pPr>
+            <a:endParaRPr kumimoji="1" lang="en-US" altLang="zh-CN" dirty="0">
+              <a:solidFill>
+                <a:srgbClr val="000000"/>
+              </a:solidFill>
+              <a:latin typeface="华文细黑" panose="02010600040101010101" pitchFamily="2" charset="-122"/>
+              <a:ea typeface="华文细黑" panose="02010600040101010101" pitchFamily="2" charset="-122"/>
+              <a:cs typeface="STHeiti Light" charset="-122"/>
+            </a:endParaRPr>
+          </a:p>
+          <a:p>
+            <a:pPr marL="0" indent="0">
+              <a:buNone/>
+            </a:pPr>
             <a:endParaRPr kumimoji="1" lang="en-US" altLang="zh-CN" dirty="0">
               <a:solidFill>
                 <a:srgbClr val="000000"/>
@@ -21529,24 +22605,34 @@
           <a:lstStyle/>
           <a:p>
             <a:r>
-              <a:rPr lang="zh-CN" altLang="en-US" sz="4400" b="1" dirty="0">
+              <a:rPr lang="en-US" altLang="zh-CN" sz="4800" b="1" dirty="0">
                 <a:solidFill>
                   <a:srgbClr val="439EFF"/>
                 </a:solidFill>
                 <a:latin typeface="幼圆" pitchFamily="49" charset="-122"/>
                 <a:ea typeface="幼圆" pitchFamily="49" charset="-122"/>
               </a:rPr>
-              <a:t>项目实践</a:t>
-            </a:r>
-            <a:r>
-              <a:rPr lang="en-US" altLang="zh-CN" sz="4400" b="1" dirty="0">
+              <a:t>Golang</a:t>
+            </a:r>
+            <a:r>
+              <a:rPr lang="zh-CN" altLang="en-US" sz="4800" b="1" dirty="0">
                 <a:solidFill>
                   <a:srgbClr val="439EFF"/>
                 </a:solidFill>
                 <a:latin typeface="幼圆" pitchFamily="49" charset="-122"/>
                 <a:ea typeface="幼圆" pitchFamily="49" charset="-122"/>
               </a:rPr>
-              <a:t>:Channel Feed</a:t>
+              <a:t>同步机制</a:t>
+            </a:r>
+            <a:r>
+              <a:rPr lang="en-US" altLang="zh-CN" sz="4800" b="1" dirty="0">
+                <a:solidFill>
+                  <a:srgbClr val="439EFF"/>
+                </a:solidFill>
+                <a:latin typeface="幼圆" pitchFamily="49" charset="-122"/>
+                <a:ea typeface="幼圆" pitchFamily="49" charset="-122"/>
+              </a:rPr>
+              <a:t>: semaphore </a:t>
             </a:r>
             <a:endParaRPr lang="zh-CN" altLang="en-US" dirty="0"/>
           </a:p>
@@ -21554,10 +22640,10 @@
       </p:sp>
       <p:sp>
         <p:nvSpPr>
-          <p:cNvPr id="7" name="内容占位符 2">
+          <p:cNvPr id="3" name="内容占位符 2">
             <a:extLst>
               <a:ext uri="{FF2B5EF4-FFF2-40B4-BE49-F238E27FC236}">
-                <a16:creationId xmlns:a16="http://schemas.microsoft.com/office/drawing/2014/main" id="{5D100BD6-444F-47A9-9CB8-F98084500554}"/>
+                <a16:creationId xmlns:a16="http://schemas.microsoft.com/office/drawing/2014/main" id="{2C7E387C-E883-499B-B124-8C6A5F6D89DE}"/>
               </a:ext>
             </a:extLst>
           </p:cNvPr>
@@ -21570,9 +22656,111 @@
         </p:nvSpPr>
         <p:spPr>
           <a:xfrm>
-            <a:off x="639763" y="2239963"/>
-            <a:ext cx="11522075" cy="6337300"/>
+            <a:off x="640080" y="2240282"/>
+            <a:ext cx="11521440" cy="6336348"/>
           </a:xfrm>
+        </p:spPr>
+        <p:txBody>
+          <a:bodyPr/>
+          <a:lstStyle/>
+          <a:p>
+            <a:pPr marL="0" indent="0">
+              <a:buNone/>
+            </a:pPr>
+            <a:r>
+              <a:rPr lang="en-US" altLang="zh-CN" dirty="0">
+                <a:solidFill>
+                  <a:schemeClr val="tx1">
+                    <a:lumMod val="75000"/>
+                  </a:schemeClr>
+                </a:solidFill>
+                <a:latin typeface="华文细黑" panose="02010600040101010101" pitchFamily="2" charset="-122"/>
+                <a:ea typeface="华文细黑" panose="02010600040101010101" pitchFamily="2" charset="-122"/>
+              </a:rPr>
+              <a:t>Semaphore</a:t>
+            </a:r>
+            <a:r>
+              <a:rPr lang="zh-CN" altLang="en-US" dirty="0">
+                <a:solidFill>
+                  <a:schemeClr val="tx1">
+                    <a:lumMod val="75000"/>
+                  </a:schemeClr>
+                </a:solidFill>
+                <a:latin typeface="华文细黑" panose="02010600040101010101" pitchFamily="2" charset="-122"/>
+                <a:ea typeface="华文细黑" panose="02010600040101010101" pitchFamily="2" charset="-122"/>
+              </a:rPr>
+              <a:t>是带权重的信号量，我们可以按照不同的权重对资源的访问进行管理。主要</a:t>
+            </a:r>
+            <a:r>
+              <a:rPr lang="en-US" altLang="zh-CN" dirty="0">
+                <a:solidFill>
+                  <a:schemeClr val="tx1">
+                    <a:lumMod val="75000"/>
+                  </a:schemeClr>
+                </a:solidFill>
+                <a:latin typeface="华文细黑" panose="02010600040101010101" pitchFamily="2" charset="-122"/>
+                <a:ea typeface="华文细黑" panose="02010600040101010101" pitchFamily="2" charset="-122"/>
+              </a:rPr>
+              <a:t>functions</a:t>
+            </a:r>
+            <a:r>
+              <a:rPr lang="zh-CN" altLang="en-US" dirty="0">
+                <a:solidFill>
+                  <a:schemeClr val="tx1">
+                    <a:lumMod val="75000"/>
+                  </a:schemeClr>
+                </a:solidFill>
+                <a:latin typeface="华文细黑" panose="02010600040101010101" pitchFamily="2" charset="-122"/>
+                <a:ea typeface="华文细黑" panose="02010600040101010101" pitchFamily="2" charset="-122"/>
+              </a:rPr>
+              <a:t>：</a:t>
+            </a:r>
+            <a:endParaRPr lang="en-US" altLang="zh-CN" dirty="0">
+              <a:solidFill>
+                <a:schemeClr val="tx1">
+                  <a:lumMod val="75000"/>
+                </a:schemeClr>
+              </a:solidFill>
+              <a:latin typeface="华文细黑" panose="02010600040101010101" pitchFamily="2" charset="-122"/>
+              <a:ea typeface="华文细黑" panose="02010600040101010101" pitchFamily="2" charset="-122"/>
+            </a:endParaRPr>
+          </a:p>
+          <a:p>
+            <a:pPr marL="0" indent="0">
+              <a:buNone/>
+            </a:pPr>
+            <a:endParaRPr lang="en-US" altLang="zh-CN" dirty="0">
+              <a:solidFill>
+                <a:schemeClr val="tx1">
+                  <a:lumMod val="75000"/>
+                </a:schemeClr>
+              </a:solidFill>
+            </a:endParaRPr>
+          </a:p>
+        </p:txBody>
+      </p:sp>
+      <p:sp>
+        <p:nvSpPr>
+          <p:cNvPr id="6" name="内容占位符 2">
+            <a:extLst>
+              <a:ext uri="{FF2B5EF4-FFF2-40B4-BE49-F238E27FC236}">
+                <a16:creationId xmlns:a16="http://schemas.microsoft.com/office/drawing/2014/main" id="{7836D471-8A4C-4766-AA8E-DFAF399A0A9E}"/>
+              </a:ext>
+            </a:extLst>
+          </p:cNvPr>
+          <p:cNvSpPr txBox="1">
+            <a:spLocks/>
+          </p:cNvSpPr>
+          <p:nvPr/>
+        </p:nvSpPr>
+        <p:spPr>
+          <a:xfrm>
+            <a:off x="640080" y="2240282"/>
+            <a:ext cx="11521440" cy="6336348"/>
+          </a:xfrm>
+          <a:prstGeom prst="rect">
+            <a:avLst/>
+          </a:prstGeom>
           <a:ln>
             <a:solidFill>
               <a:schemeClr val="accent1">
@@ -21583,127 +22771,167 @@
           </a:ln>
         </p:spPr>
         <p:txBody>
-          <a:bodyPr>
+          <a:bodyPr vert="horz" lIns="128016" tIns="64008" rIns="128016" bIns="64008" rtlCol="0">
             <a:noAutofit/>
           </a:bodyPr>
-          <a:lstStyle/>
+          <a:lstStyle>
+            <a:lvl1pPr marL="480060" indent="-480060" algn="l" defTabSz="1280160" rtl="0" eaLnBrk="1" latinLnBrk="0" hangingPunct="1">
+              <a:spcBef>
+                <a:spcPct val="20000"/>
+              </a:spcBef>
+              <a:buFont typeface="Arial" pitchFamily="34" charset="0"/>
+              <a:buChar char="•"/>
+              <a:defRPr sz="2000" kern="1200">
+                <a:solidFill>
+                  <a:schemeClr val="bg1">
+                    <a:lumMod val="65000"/>
+                  </a:schemeClr>
+                </a:solidFill>
+                <a:latin typeface="+mn-lt"/>
+                <a:ea typeface="+mn-ea"/>
+                <a:cs typeface="+mn-cs"/>
+              </a:defRPr>
+            </a:lvl1pPr>
+            <a:lvl2pPr marL="1040130" indent="-400050" algn="l" defTabSz="1280160" rtl="0" eaLnBrk="1" latinLnBrk="0" hangingPunct="1">
+              <a:spcBef>
+                <a:spcPct val="20000"/>
+              </a:spcBef>
+              <a:buFont typeface="Arial" pitchFamily="34" charset="0"/>
+              <a:buChar char="–"/>
+              <a:defRPr sz="1700" kern="1200">
+                <a:solidFill>
+                  <a:schemeClr val="bg1">
+                    <a:lumMod val="65000"/>
+                  </a:schemeClr>
+                </a:solidFill>
+                <a:latin typeface="+mn-lt"/>
+                <a:ea typeface="+mn-ea"/>
+                <a:cs typeface="+mn-cs"/>
+              </a:defRPr>
+            </a:lvl2pPr>
+            <a:lvl3pPr marL="1600200" indent="-320040" algn="l" defTabSz="1280160" rtl="0" eaLnBrk="1" latinLnBrk="0" hangingPunct="1">
+              <a:spcBef>
+                <a:spcPct val="20000"/>
+              </a:spcBef>
+              <a:buFont typeface="Arial" pitchFamily="34" charset="0"/>
+              <a:buChar char="•"/>
+              <a:defRPr sz="1500" kern="1200">
+                <a:solidFill>
+                  <a:schemeClr val="bg1">
+                    <a:lumMod val="65000"/>
+                  </a:schemeClr>
+                </a:solidFill>
+                <a:latin typeface="+mn-lt"/>
+                <a:ea typeface="+mn-ea"/>
+                <a:cs typeface="+mn-cs"/>
+              </a:defRPr>
+            </a:lvl3pPr>
+            <a:lvl4pPr marL="2240280" indent="-320040" algn="l" defTabSz="1280160" rtl="0" eaLnBrk="1" latinLnBrk="0" hangingPunct="1">
+              <a:spcBef>
+                <a:spcPct val="20000"/>
+              </a:spcBef>
+              <a:buFont typeface="Arial" pitchFamily="34" charset="0"/>
+              <a:buChar char="–"/>
+              <a:defRPr sz="1500" kern="1200">
+                <a:solidFill>
+                  <a:schemeClr val="bg1">
+                    <a:lumMod val="65000"/>
+                  </a:schemeClr>
+                </a:solidFill>
+                <a:latin typeface="+mn-lt"/>
+                <a:ea typeface="+mn-ea"/>
+                <a:cs typeface="+mn-cs"/>
+              </a:defRPr>
+            </a:lvl4pPr>
+            <a:lvl5pPr marL="2880360" indent="-320040" algn="l" defTabSz="1280160" rtl="0" eaLnBrk="1" latinLnBrk="0" hangingPunct="1">
+              <a:spcBef>
+                <a:spcPct val="20000"/>
+              </a:spcBef>
+              <a:buFont typeface="Arial" pitchFamily="34" charset="0"/>
+              <a:buChar char="»"/>
+              <a:defRPr sz="1500" kern="1200">
+                <a:solidFill>
+                  <a:schemeClr val="bg1">
+                    <a:lumMod val="65000"/>
+                  </a:schemeClr>
+                </a:solidFill>
+                <a:latin typeface="+mn-lt"/>
+                <a:ea typeface="+mn-ea"/>
+                <a:cs typeface="+mn-cs"/>
+              </a:defRPr>
+            </a:lvl5pPr>
+            <a:lvl6pPr marL="3520440" indent="-320040" algn="l" defTabSz="1280160" rtl="0" eaLnBrk="1" latinLnBrk="0" hangingPunct="1">
+              <a:spcBef>
+                <a:spcPct val="20000"/>
+              </a:spcBef>
+              <a:buFont typeface="Arial" pitchFamily="34" charset="0"/>
+              <a:buChar char="•"/>
+              <a:defRPr sz="2800" kern="1200">
+                <a:solidFill>
+                  <a:schemeClr val="tx1"/>
+                </a:solidFill>
+                <a:latin typeface="+mn-lt"/>
+                <a:ea typeface="+mn-ea"/>
+                <a:cs typeface="+mn-cs"/>
+              </a:defRPr>
+            </a:lvl6pPr>
+            <a:lvl7pPr marL="4160520" indent="-320040" algn="l" defTabSz="1280160" rtl="0" eaLnBrk="1" latinLnBrk="0" hangingPunct="1">
+              <a:spcBef>
+                <a:spcPct val="20000"/>
+              </a:spcBef>
+              <a:buFont typeface="Arial" pitchFamily="34" charset="0"/>
+              <a:buChar char="•"/>
+              <a:defRPr sz="2800" kern="1200">
+                <a:solidFill>
+                  <a:schemeClr val="tx1"/>
+                </a:solidFill>
+                <a:latin typeface="+mn-lt"/>
+                <a:ea typeface="+mn-ea"/>
+                <a:cs typeface="+mn-cs"/>
+              </a:defRPr>
+            </a:lvl7pPr>
+            <a:lvl8pPr marL="4800600" indent="-320040" algn="l" defTabSz="1280160" rtl="0" eaLnBrk="1" latinLnBrk="0" hangingPunct="1">
+              <a:spcBef>
+                <a:spcPct val="20000"/>
+              </a:spcBef>
+              <a:buFont typeface="Arial" pitchFamily="34" charset="0"/>
+              <a:buChar char="•"/>
+              <a:defRPr sz="2800" kern="1200">
+                <a:solidFill>
+                  <a:schemeClr val="tx1"/>
+                </a:solidFill>
+                <a:latin typeface="+mn-lt"/>
+                <a:ea typeface="+mn-ea"/>
+                <a:cs typeface="+mn-cs"/>
+              </a:defRPr>
+            </a:lvl8pPr>
+            <a:lvl9pPr marL="5440680" indent="-320040" algn="l" defTabSz="1280160" rtl="0" eaLnBrk="1" latinLnBrk="0" hangingPunct="1">
+              <a:spcBef>
+                <a:spcPct val="20000"/>
+              </a:spcBef>
+              <a:buFont typeface="Arial" pitchFamily="34" charset="0"/>
+              <a:buChar char="•"/>
+              <a:defRPr sz="2800" kern="1200">
+                <a:solidFill>
+                  <a:schemeClr val="tx1"/>
+                </a:solidFill>
+                <a:latin typeface="+mn-lt"/>
+                <a:ea typeface="+mn-ea"/>
+                <a:cs typeface="+mn-cs"/>
+              </a:defRPr>
+            </a:lvl9pPr>
+          </a:lstStyle>
           <a:p>
             <a:pPr marL="0" indent="0">
+              <a:lnSpc>
+                <a:spcPct val="150000"/>
+              </a:lnSpc>
+              <a:buFont typeface="Arial" pitchFamily="34" charset="0"/>
               <a:buNone/>
             </a:pPr>
-            <a:r>
-              <a:rPr lang="en-US" altLang="zh-CN" sz="2400" b="1" dirty="0">
-                <a:solidFill>
-                  <a:schemeClr val="accent1">
-                    <a:lumMod val="50000"/>
-                  </a:schemeClr>
-                </a:solidFill>
-                <a:latin typeface="华文细黑" panose="02010600040101010101" pitchFamily="2" charset="-122"/>
-                <a:ea typeface="华文细黑" panose="02010600040101010101" pitchFamily="2" charset="-122"/>
-                <a:cs typeface="STHeiti Light" charset="-122"/>
-              </a:rPr>
-              <a:t>// Feed implements one-to-many subscriptions where the carrier of events is a channel.</a:t>
-            </a:r>
-          </a:p>
-          <a:p>
-            <a:pPr marL="0" indent="0">
-              <a:buNone/>
-            </a:pPr>
-            <a:r>
-              <a:rPr lang="en-US" altLang="zh-CN" sz="2400" b="1" dirty="0">
-                <a:solidFill>
-                  <a:schemeClr val="accent1">
-                    <a:lumMod val="50000"/>
-                  </a:schemeClr>
-                </a:solidFill>
-                <a:latin typeface="华文细黑" panose="02010600040101010101" pitchFamily="2" charset="-122"/>
-                <a:ea typeface="华文细黑" panose="02010600040101010101" pitchFamily="2" charset="-122"/>
-                <a:cs typeface="STHeiti Light" charset="-122"/>
-              </a:rPr>
-              <a:t>// Values sent to a Feed are delivered to all subscribed channels simultaneously.</a:t>
-            </a:r>
-          </a:p>
-          <a:p>
-            <a:pPr marL="0" indent="0">
-              <a:buNone/>
-            </a:pPr>
-            <a:r>
-              <a:rPr lang="en-US" altLang="zh-CN" sz="2400" b="1" dirty="0">
-                <a:solidFill>
-                  <a:schemeClr val="accent1">
-                    <a:lumMod val="50000"/>
-                  </a:schemeClr>
-                </a:solidFill>
-                <a:latin typeface="华文细黑" panose="02010600040101010101" pitchFamily="2" charset="-122"/>
-                <a:ea typeface="华文细黑" panose="02010600040101010101" pitchFamily="2" charset="-122"/>
-                <a:cs typeface="STHeiti Light" charset="-122"/>
-              </a:rPr>
-              <a:t>//</a:t>
-            </a:r>
-          </a:p>
-          <a:p>
-            <a:pPr marL="0" indent="0">
-              <a:buNone/>
-            </a:pPr>
-            <a:r>
-              <a:rPr lang="en-US" altLang="zh-CN" sz="2400" b="1" dirty="0">
-                <a:solidFill>
-                  <a:schemeClr val="accent1">
-                    <a:lumMod val="50000"/>
-                  </a:schemeClr>
-                </a:solidFill>
-                <a:latin typeface="华文细黑" panose="02010600040101010101" pitchFamily="2" charset="-122"/>
-                <a:ea typeface="华文细黑" panose="02010600040101010101" pitchFamily="2" charset="-122"/>
-                <a:cs typeface="STHeiti Light" charset="-122"/>
-              </a:rPr>
-              <a:t>// Feeds can only be used with a single type. The type is determined by the first Send or</a:t>
-            </a:r>
-          </a:p>
-          <a:p>
-            <a:pPr marL="0" indent="0">
-              <a:buNone/>
-            </a:pPr>
-            <a:r>
-              <a:rPr lang="en-US" altLang="zh-CN" sz="2400" b="1" dirty="0">
-                <a:solidFill>
-                  <a:schemeClr val="accent1">
-                    <a:lumMod val="50000"/>
-                  </a:schemeClr>
-                </a:solidFill>
-                <a:latin typeface="华文细黑" panose="02010600040101010101" pitchFamily="2" charset="-122"/>
-                <a:ea typeface="华文细黑" panose="02010600040101010101" pitchFamily="2" charset="-122"/>
-                <a:cs typeface="STHeiti Light" charset="-122"/>
-              </a:rPr>
-              <a:t>// Subscribe operation. Subsequent calls to these methods panic if the type does not</a:t>
-            </a:r>
-          </a:p>
-          <a:p>
-            <a:pPr marL="0" indent="0">
-              <a:buNone/>
-            </a:pPr>
-            <a:r>
-              <a:rPr lang="en-US" altLang="zh-CN" sz="2400" b="1" dirty="0">
-                <a:solidFill>
-                  <a:schemeClr val="accent1">
-                    <a:lumMod val="50000"/>
-                  </a:schemeClr>
-                </a:solidFill>
-                <a:latin typeface="华文细黑" panose="02010600040101010101" pitchFamily="2" charset="-122"/>
-                <a:ea typeface="华文细黑" panose="02010600040101010101" pitchFamily="2" charset="-122"/>
-                <a:cs typeface="STHeiti Light" charset="-122"/>
-              </a:rPr>
-              <a:t>// match.</a:t>
-            </a:r>
-          </a:p>
-          <a:p>
-            <a:pPr marL="0" indent="0">
-              <a:buNone/>
-            </a:pPr>
-            <a:endParaRPr lang="en-US" altLang="zh-CN" sz="2400" b="1" dirty="0">
+            <a:endParaRPr lang="en-US" altLang="zh-CN" dirty="0">
               <a:solidFill>
-                <a:schemeClr val="accent1">
-                  <a:lumMod val="50000"/>
-                </a:schemeClr>
+                <a:srgbClr val="000000"/>
               </a:solidFill>
               <a:latin typeface="华文细黑" panose="02010600040101010101" pitchFamily="2" charset="-122"/>
               <a:ea typeface="华文细黑" panose="02010600040101010101" pitchFamily="2" charset="-122"/>
@@ -21711,14 +22939,223 @@
             </a:endParaRPr>
           </a:p>
           <a:p>
-            <a:pPr marL="0" indent="0">
+            <a:pPr marL="560070" lvl="1" indent="0">
+              <a:lnSpc>
+                <a:spcPct val="150000"/>
+              </a:lnSpc>
               <a:buNone/>
             </a:pPr>
-            <a:endParaRPr lang="en-US" altLang="zh-CN" sz="2400" b="1" dirty="0">
+            <a:r>
+              <a:rPr lang="en-US" altLang="zh-CN" sz="1600" i="1" dirty="0" err="1">
+                <a:solidFill>
+                  <a:srgbClr val="000000"/>
+                </a:solidFill>
+                <a:latin typeface="华文细黑" panose="02010600040101010101" pitchFamily="2" charset="-122"/>
+                <a:ea typeface="华文细黑" panose="02010600040101010101" pitchFamily="2" charset="-122"/>
+                <a:cs typeface="STHeiti Light" charset="-122"/>
+              </a:rPr>
+              <a:t>func</a:t>
+            </a:r>
+            <a:r>
+              <a:rPr lang="en-US" altLang="zh-CN" sz="1600" i="1" dirty="0">
+                <a:solidFill>
+                  <a:srgbClr val="000000"/>
+                </a:solidFill>
+                <a:latin typeface="华文细黑" panose="02010600040101010101" pitchFamily="2" charset="-122"/>
+                <a:ea typeface="华文细黑" panose="02010600040101010101" pitchFamily="2" charset="-122"/>
+                <a:cs typeface="STHeiti Light" charset="-122"/>
+              </a:rPr>
+              <a:t> </a:t>
+            </a:r>
+            <a:r>
+              <a:rPr lang="en-US" altLang="zh-CN" sz="1600" i="1" dirty="0" err="1">
+                <a:solidFill>
+                  <a:srgbClr val="000000"/>
+                </a:solidFill>
+                <a:latin typeface="华文细黑" panose="02010600040101010101" pitchFamily="2" charset="-122"/>
+                <a:ea typeface="华文细黑" panose="02010600040101010101" pitchFamily="2" charset="-122"/>
+                <a:cs typeface="STHeiti Light" charset="-122"/>
+              </a:rPr>
+              <a:t>NewWeighted</a:t>
+            </a:r>
+            <a:r>
+              <a:rPr lang="en-US" altLang="zh-CN" sz="1600" i="1" dirty="0">
+                <a:solidFill>
+                  <a:srgbClr val="000000"/>
+                </a:solidFill>
+                <a:latin typeface="华文细黑" panose="02010600040101010101" pitchFamily="2" charset="-122"/>
+                <a:ea typeface="华文细黑" panose="02010600040101010101" pitchFamily="2" charset="-122"/>
+                <a:cs typeface="STHeiti Light" charset="-122"/>
+              </a:rPr>
+              <a:t>(n int64) *Weighted</a:t>
+            </a:r>
+          </a:p>
+          <a:p>
+            <a:pPr marL="560070" lvl="1" indent="0">
+              <a:lnSpc>
+                <a:spcPct val="150000"/>
+              </a:lnSpc>
+              <a:buNone/>
+            </a:pPr>
+            <a:r>
+              <a:rPr lang="en-US" altLang="zh-CN" sz="1600" i="1" dirty="0" err="1">
+                <a:solidFill>
+                  <a:srgbClr val="000000"/>
+                </a:solidFill>
+                <a:latin typeface="华文细黑" panose="02010600040101010101" pitchFamily="2" charset="-122"/>
+                <a:ea typeface="华文细黑" panose="02010600040101010101" pitchFamily="2" charset="-122"/>
+                <a:cs typeface="STHeiti Light" charset="-122"/>
+              </a:rPr>
+              <a:t>func</a:t>
+            </a:r>
+            <a:r>
+              <a:rPr lang="en-US" altLang="zh-CN" sz="1600" i="1" dirty="0">
+                <a:solidFill>
+                  <a:srgbClr val="000000"/>
+                </a:solidFill>
+                <a:latin typeface="华文细黑" panose="02010600040101010101" pitchFamily="2" charset="-122"/>
+                <a:ea typeface="华文细黑" panose="02010600040101010101" pitchFamily="2" charset="-122"/>
+                <a:cs typeface="STHeiti Light" charset="-122"/>
+              </a:rPr>
+              <a:t> (s *Weighted) Acquire(</a:t>
+            </a:r>
+            <a:r>
+              <a:rPr lang="en-US" altLang="zh-CN" sz="1600" i="1" dirty="0" err="1">
+                <a:solidFill>
+                  <a:srgbClr val="000000"/>
+                </a:solidFill>
+                <a:latin typeface="华文细黑" panose="02010600040101010101" pitchFamily="2" charset="-122"/>
+                <a:ea typeface="华文细黑" panose="02010600040101010101" pitchFamily="2" charset="-122"/>
+                <a:cs typeface="STHeiti Light" charset="-122"/>
+              </a:rPr>
+              <a:t>ctx</a:t>
+            </a:r>
+            <a:r>
+              <a:rPr lang="en-US" altLang="zh-CN" sz="1600" i="1" dirty="0">
+                <a:solidFill>
+                  <a:srgbClr val="000000"/>
+                </a:solidFill>
+                <a:latin typeface="华文细黑" panose="02010600040101010101" pitchFamily="2" charset="-122"/>
+                <a:ea typeface="华文细黑" panose="02010600040101010101" pitchFamily="2" charset="-122"/>
+                <a:cs typeface="STHeiti Light" charset="-122"/>
+              </a:rPr>
+              <a:t> </a:t>
+            </a:r>
+            <a:r>
+              <a:rPr lang="en-US" altLang="zh-CN" sz="1600" i="1" dirty="0" err="1">
+                <a:solidFill>
+                  <a:srgbClr val="000000"/>
+                </a:solidFill>
+                <a:latin typeface="华文细黑" panose="02010600040101010101" pitchFamily="2" charset="-122"/>
+                <a:ea typeface="华文细黑" panose="02010600040101010101" pitchFamily="2" charset="-122"/>
+                <a:cs typeface="STHeiti Light" charset="-122"/>
+              </a:rPr>
+              <a:t>context.Context</a:t>
+            </a:r>
+            <a:r>
+              <a:rPr lang="en-US" altLang="zh-CN" sz="1600" i="1" dirty="0">
+                <a:solidFill>
+                  <a:srgbClr val="000000"/>
+                </a:solidFill>
+                <a:latin typeface="华文细黑" panose="02010600040101010101" pitchFamily="2" charset="-122"/>
+                <a:ea typeface="华文细黑" panose="02010600040101010101" pitchFamily="2" charset="-122"/>
+                <a:cs typeface="STHeiti Light" charset="-122"/>
+              </a:rPr>
+              <a:t>, n int64) error</a:t>
+            </a:r>
+          </a:p>
+          <a:p>
+            <a:pPr marL="560070" lvl="1" indent="0">
+              <a:lnSpc>
+                <a:spcPct val="150000"/>
+              </a:lnSpc>
+              <a:buNone/>
+            </a:pPr>
+            <a:r>
+              <a:rPr lang="en-US" altLang="zh-CN" sz="1600" i="1" dirty="0" err="1">
+                <a:solidFill>
+                  <a:srgbClr val="000000"/>
+                </a:solidFill>
+                <a:latin typeface="华文细黑" panose="02010600040101010101" pitchFamily="2" charset="-122"/>
+                <a:ea typeface="华文细黑" panose="02010600040101010101" pitchFamily="2" charset="-122"/>
+                <a:cs typeface="STHeiti Light" charset="-122"/>
+              </a:rPr>
+              <a:t>func</a:t>
+            </a:r>
+            <a:r>
+              <a:rPr lang="en-US" altLang="zh-CN" sz="1600" i="1" dirty="0">
+                <a:solidFill>
+                  <a:srgbClr val="000000"/>
+                </a:solidFill>
+                <a:latin typeface="华文细黑" panose="02010600040101010101" pitchFamily="2" charset="-122"/>
+                <a:ea typeface="华文细黑" panose="02010600040101010101" pitchFamily="2" charset="-122"/>
+                <a:cs typeface="STHeiti Light" charset="-122"/>
+              </a:rPr>
+              <a:t> (s *Weighted) Release(n int64)</a:t>
+            </a:r>
+          </a:p>
+          <a:p>
+            <a:pPr marL="560070" lvl="1" indent="0">
+              <a:lnSpc>
+                <a:spcPct val="150000"/>
+              </a:lnSpc>
+              <a:buNone/>
+            </a:pPr>
+            <a:r>
+              <a:rPr lang="en-US" altLang="zh-CN" sz="1600" i="1" dirty="0" err="1">
+                <a:solidFill>
+                  <a:srgbClr val="000000"/>
+                </a:solidFill>
+                <a:latin typeface="华文细黑" panose="02010600040101010101" pitchFamily="2" charset="-122"/>
+                <a:ea typeface="华文细黑" panose="02010600040101010101" pitchFamily="2" charset="-122"/>
+                <a:cs typeface="STHeiti Light" charset="-122"/>
+              </a:rPr>
+              <a:t>func</a:t>
+            </a:r>
+            <a:r>
+              <a:rPr lang="en-US" altLang="zh-CN" sz="1600" i="1" dirty="0">
+                <a:solidFill>
+                  <a:srgbClr val="000000"/>
+                </a:solidFill>
+                <a:latin typeface="华文细黑" panose="02010600040101010101" pitchFamily="2" charset="-122"/>
+                <a:ea typeface="华文细黑" panose="02010600040101010101" pitchFamily="2" charset="-122"/>
+                <a:cs typeface="STHeiti Light" charset="-122"/>
+              </a:rPr>
+              <a:t> (s *Weighted) </a:t>
+            </a:r>
+            <a:r>
+              <a:rPr lang="en-US" altLang="zh-CN" sz="1600" i="1" dirty="0" err="1">
+                <a:solidFill>
+                  <a:srgbClr val="000000"/>
+                </a:solidFill>
+                <a:latin typeface="华文细黑" panose="02010600040101010101" pitchFamily="2" charset="-122"/>
+                <a:ea typeface="华文细黑" panose="02010600040101010101" pitchFamily="2" charset="-122"/>
+                <a:cs typeface="STHeiti Light" charset="-122"/>
+              </a:rPr>
+              <a:t>TryAcquire</a:t>
+            </a:r>
+            <a:r>
+              <a:rPr lang="en-US" altLang="zh-CN" sz="1600" i="1" dirty="0">
+                <a:solidFill>
+                  <a:srgbClr val="000000"/>
+                </a:solidFill>
+                <a:latin typeface="华文细黑" panose="02010600040101010101" pitchFamily="2" charset="-122"/>
+                <a:ea typeface="华文细黑" panose="02010600040101010101" pitchFamily="2" charset="-122"/>
+                <a:cs typeface="STHeiti Light" charset="-122"/>
+              </a:rPr>
+              <a:t>(n int64) bool</a:t>
+            </a:r>
+          </a:p>
+          <a:p>
+            <a:pPr marL="0" indent="0">
+              <a:lnSpc>
+                <a:spcPct val="150000"/>
+              </a:lnSpc>
+              <a:buNone/>
+            </a:pPr>
+            <a:endParaRPr lang="en-US" altLang="zh-CN" dirty="0">
               <a:solidFill>
-                <a:schemeClr val="accent1">
-                  <a:lumMod val="50000"/>
-                </a:schemeClr>
+                <a:srgbClr val="000000"/>
               </a:solidFill>
               <a:latin typeface="华文细黑" panose="02010600040101010101" pitchFamily="2" charset="-122"/>
               <a:ea typeface="华文细黑" panose="02010600040101010101" pitchFamily="2" charset="-122"/>
@@ -21727,26 +23164,25 @@
           </a:p>
           <a:p>
             <a:pPr marL="0" indent="0">
+              <a:lnSpc>
+                <a:spcPct val="150000"/>
+              </a:lnSpc>
               <a:buNone/>
             </a:pPr>
             <a:r>
-              <a:rPr lang="zh-CN" altLang="en-US" sz="2400" b="1" dirty="0">
-                <a:solidFill>
-                  <a:schemeClr val="accent1">
-                    <a:lumMod val="50000"/>
-                  </a:schemeClr>
-                </a:solidFill>
-                <a:latin typeface="华文细黑" panose="02010600040101010101" pitchFamily="2" charset="-122"/>
-                <a:ea typeface="华文细黑" panose="02010600040101010101" pitchFamily="2" charset="-122"/>
-                <a:cs typeface="STHeiti Light" charset="-122"/>
-              </a:rPr>
-              <a:t>参考项目：</a:t>
-            </a:r>
-            <a:endParaRPr lang="en-US" altLang="zh-CN" sz="2400" b="1" dirty="0">
+              <a:rPr lang="zh-CN" altLang="en-US" dirty="0">
+                <a:solidFill>
+                  <a:srgbClr val="000000"/>
+                </a:solidFill>
+                <a:latin typeface="华文细黑" panose="02010600040101010101" pitchFamily="2" charset="-122"/>
+                <a:ea typeface="华文细黑" panose="02010600040101010101" pitchFamily="2" charset="-122"/>
+                <a:cs typeface="STHeiti Light" charset="-122"/>
+              </a:rPr>
+              <a:t>注意事项</a:t>
+            </a:r>
+            <a:endParaRPr lang="en-US" altLang="zh-CN" dirty="0">
               <a:solidFill>
-                <a:schemeClr val="accent1">
-                  <a:lumMod val="50000"/>
-                </a:schemeClr>
+                <a:srgbClr val="000000"/>
               </a:solidFill>
               <a:latin typeface="华文细黑" panose="02010600040101010101" pitchFamily="2" charset="-122"/>
               <a:ea typeface="华文细黑" panose="02010600040101010101" pitchFamily="2" charset="-122"/>
@@ -21754,21 +23190,74 @@
             </a:endParaRPr>
           </a:p>
           <a:p>
-            <a:pPr marL="0" indent="0">
-              <a:buNone/>
+            <a:pPr>
+              <a:lnSpc>
+                <a:spcPct val="150000"/>
+              </a:lnSpc>
+              <a:buFont typeface="Wingdings" panose="05000000000000000000" pitchFamily="2" charset="2"/>
+              <a:buChar char="n"/>
             </a:pPr>
             <a:r>
               <a:rPr lang="en-US" altLang="zh-CN" dirty="0">
-                <a:hlinkClick r:id="rId3"/>
-              </a:rPr>
-              <a:t>https://github.com/ethereum/go-ethereum/blob/master/event/feed.go</a:t>
+                <a:solidFill>
+                  <a:srgbClr val="000000"/>
+                </a:solidFill>
+                <a:latin typeface="华文细黑" panose="02010600040101010101" pitchFamily="2" charset="-122"/>
+                <a:ea typeface="华文细黑" panose="02010600040101010101" pitchFamily="2" charset="-122"/>
+                <a:cs typeface="STHeiti Light" charset="-122"/>
+              </a:rPr>
+              <a:t>Acquire </a:t>
+            </a:r>
+            <a:r>
+              <a:rPr lang="zh-CN" altLang="en-US" dirty="0">
+                <a:solidFill>
+                  <a:srgbClr val="000000"/>
+                </a:solidFill>
+                <a:latin typeface="华文细黑" panose="02010600040101010101" pitchFamily="2" charset="-122"/>
+                <a:ea typeface="华文细黑" panose="02010600040101010101" pitchFamily="2" charset="-122"/>
+                <a:cs typeface="STHeiti Light" charset="-122"/>
+              </a:rPr>
+              <a:t>和 </a:t>
+            </a:r>
+            <a:r>
+              <a:rPr lang="en-US" altLang="zh-CN" dirty="0" err="1">
+                <a:solidFill>
+                  <a:srgbClr val="000000"/>
+                </a:solidFill>
+                <a:latin typeface="华文细黑" panose="02010600040101010101" pitchFamily="2" charset="-122"/>
+                <a:ea typeface="华文细黑" panose="02010600040101010101" pitchFamily="2" charset="-122"/>
+                <a:cs typeface="STHeiti Light" charset="-122"/>
+              </a:rPr>
+              <a:t>TryAcquire</a:t>
+            </a:r>
+            <a:r>
+              <a:rPr lang="en-US" altLang="zh-CN" dirty="0">
+                <a:solidFill>
+                  <a:srgbClr val="000000"/>
+                </a:solidFill>
+                <a:latin typeface="华文细黑" panose="02010600040101010101" pitchFamily="2" charset="-122"/>
+                <a:ea typeface="华文细黑" panose="02010600040101010101" pitchFamily="2" charset="-122"/>
+                <a:cs typeface="STHeiti Light" charset="-122"/>
+              </a:rPr>
+              <a:t> </a:t>
+            </a:r>
+            <a:r>
+              <a:rPr lang="zh-CN" altLang="en-US" dirty="0">
+                <a:solidFill>
+                  <a:srgbClr val="000000"/>
+                </a:solidFill>
+                <a:latin typeface="华文细黑" panose="02010600040101010101" pitchFamily="2" charset="-122"/>
+                <a:ea typeface="华文细黑" panose="02010600040101010101" pitchFamily="2" charset="-122"/>
+                <a:cs typeface="STHeiti Light" charset="-122"/>
+              </a:rPr>
+              <a:t>方法都可以用于获取资源，前者用于同步获取会等待锁的释放，后者会在无法获取锁时直接返回；</a:t>
             </a:r>
             <a:endParaRPr lang="en-US" altLang="zh-CN" dirty="0">
               <a:solidFill>
                 <a:srgbClr val="000000"/>
               </a:solidFill>
-              <a:latin typeface="STHeiti Light" charset="-122"/>
-              <a:ea typeface="STHeiti Light" charset="-122"/>
+              <a:latin typeface="华文细黑" panose="02010600040101010101" pitchFamily="2" charset="-122"/>
+              <a:ea typeface="华文细黑" panose="02010600040101010101" pitchFamily="2" charset="-122"/>
               <a:cs typeface="STHeiti Light" charset="-122"/>
             </a:endParaRPr>
           </a:p>
@@ -21777,15 +23266,220 @@
               <a:lnSpc>
                 <a:spcPct val="150000"/>
               </a:lnSpc>
-              <a:buFont typeface="Wingdings" charset="2"/>
-              <a:buChar char="l"/>
+              <a:buFont typeface="Wingdings" panose="05000000000000000000" pitchFamily="2" charset="2"/>
+              <a:buChar char="n"/>
+            </a:pPr>
+            <a:r>
+              <a:rPr lang="en-US" altLang="zh-CN" dirty="0">
+                <a:solidFill>
+                  <a:srgbClr val="000000"/>
+                </a:solidFill>
+                <a:latin typeface="华文细黑" panose="02010600040101010101" pitchFamily="2" charset="-122"/>
+                <a:ea typeface="华文细黑" panose="02010600040101010101" pitchFamily="2" charset="-122"/>
+                <a:cs typeface="STHeiti Light" charset="-122"/>
+              </a:rPr>
+              <a:t>Release </a:t>
+            </a:r>
+            <a:r>
+              <a:rPr lang="zh-CN" altLang="en-US" dirty="0">
+                <a:solidFill>
+                  <a:srgbClr val="000000"/>
+                </a:solidFill>
+                <a:latin typeface="华文细黑" panose="02010600040101010101" pitchFamily="2" charset="-122"/>
+                <a:ea typeface="华文细黑" panose="02010600040101010101" pitchFamily="2" charset="-122"/>
+                <a:cs typeface="STHeiti Light" charset="-122"/>
+              </a:rPr>
+              <a:t>方法会按照 </a:t>
+            </a:r>
+            <a:r>
+              <a:rPr lang="en-US" altLang="zh-CN" dirty="0">
+                <a:solidFill>
+                  <a:srgbClr val="000000"/>
+                </a:solidFill>
+                <a:latin typeface="华文细黑" panose="02010600040101010101" pitchFamily="2" charset="-122"/>
+                <a:ea typeface="华文细黑" panose="02010600040101010101" pitchFamily="2" charset="-122"/>
+                <a:cs typeface="STHeiti Light" charset="-122"/>
+              </a:rPr>
+              <a:t>FIFO </a:t>
+            </a:r>
+            <a:r>
+              <a:rPr lang="zh-CN" altLang="en-US" dirty="0">
+                <a:solidFill>
+                  <a:srgbClr val="000000"/>
+                </a:solidFill>
+                <a:latin typeface="华文细黑" panose="02010600040101010101" pitchFamily="2" charset="-122"/>
+                <a:ea typeface="华文细黑" panose="02010600040101010101" pitchFamily="2" charset="-122"/>
+                <a:cs typeface="STHeiti Light" charset="-122"/>
+              </a:rPr>
+              <a:t>的顺序唤醒可以被唤醒的 </a:t>
+            </a:r>
+            <a:r>
+              <a:rPr lang="en-US" altLang="zh-CN" dirty="0">
+                <a:solidFill>
+                  <a:srgbClr val="000000"/>
+                </a:solidFill>
+                <a:latin typeface="华文细黑" panose="02010600040101010101" pitchFamily="2" charset="-122"/>
+                <a:ea typeface="华文细黑" panose="02010600040101010101" pitchFamily="2" charset="-122"/>
+                <a:cs typeface="STHeiti Light" charset="-122"/>
+              </a:rPr>
+              <a:t>Goroutine</a:t>
+            </a:r>
+            <a:r>
+              <a:rPr lang="zh-CN" altLang="en-US" dirty="0">
+                <a:solidFill>
+                  <a:srgbClr val="000000"/>
+                </a:solidFill>
+                <a:latin typeface="华文细黑" panose="02010600040101010101" pitchFamily="2" charset="-122"/>
+                <a:ea typeface="华文细黑" panose="02010600040101010101" pitchFamily="2" charset="-122"/>
+                <a:cs typeface="STHeiti Light" charset="-122"/>
+              </a:rPr>
+              <a:t>；</a:t>
+            </a:r>
+            <a:endParaRPr lang="en-US" altLang="zh-CN" dirty="0">
+              <a:solidFill>
+                <a:srgbClr val="000000"/>
+              </a:solidFill>
+              <a:latin typeface="华文细黑" panose="02010600040101010101" pitchFamily="2" charset="-122"/>
+              <a:ea typeface="华文细黑" panose="02010600040101010101" pitchFamily="2" charset="-122"/>
+              <a:cs typeface="STHeiti Light" charset="-122"/>
+            </a:endParaRPr>
+          </a:p>
+          <a:p>
+            <a:pPr>
+              <a:lnSpc>
+                <a:spcPct val="150000"/>
+              </a:lnSpc>
+              <a:buFont typeface="Wingdings" panose="05000000000000000000" pitchFamily="2" charset="2"/>
+              <a:buChar char="n"/>
+            </a:pPr>
+            <a:r>
+              <a:rPr lang="zh-CN" altLang="en-US" dirty="0">
+                <a:solidFill>
+                  <a:srgbClr val="000000"/>
+                </a:solidFill>
+                <a:latin typeface="华文细黑" panose="02010600040101010101" pitchFamily="2" charset="-122"/>
+                <a:ea typeface="华文细黑" panose="02010600040101010101" pitchFamily="2" charset="-122"/>
+                <a:cs typeface="STHeiti Light" charset="-122"/>
+              </a:rPr>
+              <a:t>如果一个 </a:t>
+            </a:r>
+            <a:r>
+              <a:rPr lang="en-US" altLang="zh-CN" dirty="0">
+                <a:solidFill>
+                  <a:srgbClr val="000000"/>
+                </a:solidFill>
+                <a:latin typeface="华文细黑" panose="02010600040101010101" pitchFamily="2" charset="-122"/>
+                <a:ea typeface="华文细黑" panose="02010600040101010101" pitchFamily="2" charset="-122"/>
+                <a:cs typeface="STHeiti Light" charset="-122"/>
+              </a:rPr>
+              <a:t>Goroutine </a:t>
+            </a:r>
+            <a:r>
+              <a:rPr lang="zh-CN" altLang="en-US" dirty="0">
+                <a:solidFill>
+                  <a:srgbClr val="000000"/>
+                </a:solidFill>
+                <a:latin typeface="华文细黑" panose="02010600040101010101" pitchFamily="2" charset="-122"/>
+                <a:ea typeface="华文细黑" panose="02010600040101010101" pitchFamily="2" charset="-122"/>
+                <a:cs typeface="STHeiti Light" charset="-122"/>
+              </a:rPr>
+              <a:t>获取了较多地资源，由于 </a:t>
+            </a:r>
+            <a:r>
+              <a:rPr lang="en-US" altLang="zh-CN" dirty="0">
+                <a:solidFill>
+                  <a:srgbClr val="000000"/>
+                </a:solidFill>
+                <a:latin typeface="华文细黑" panose="02010600040101010101" pitchFamily="2" charset="-122"/>
+                <a:ea typeface="华文细黑" panose="02010600040101010101" pitchFamily="2" charset="-122"/>
+                <a:cs typeface="STHeiti Light" charset="-122"/>
+              </a:rPr>
+              <a:t>Release </a:t>
+            </a:r>
+            <a:r>
+              <a:rPr lang="zh-CN" altLang="en-US" dirty="0">
+                <a:solidFill>
+                  <a:srgbClr val="000000"/>
+                </a:solidFill>
+                <a:latin typeface="华文细黑" panose="02010600040101010101" pitchFamily="2" charset="-122"/>
+                <a:ea typeface="华文细黑" panose="02010600040101010101" pitchFamily="2" charset="-122"/>
+                <a:cs typeface="STHeiti Light" charset="-122"/>
+              </a:rPr>
+              <a:t>的释放策略可能会等待比较长的时间；</a:t>
+            </a:r>
+            <a:endParaRPr lang="en-US" altLang="zh-CN" dirty="0">
+              <a:solidFill>
+                <a:srgbClr val="000000"/>
+              </a:solidFill>
+              <a:latin typeface="华文细黑" panose="02010600040101010101" pitchFamily="2" charset="-122"/>
+              <a:ea typeface="华文细黑" panose="02010600040101010101" pitchFamily="2" charset="-122"/>
+              <a:cs typeface="STHeiti Light" charset="-122"/>
+            </a:endParaRPr>
+          </a:p>
+          <a:p>
+            <a:pPr marL="0" indent="0">
+              <a:lnSpc>
+                <a:spcPct val="150000"/>
+              </a:lnSpc>
+              <a:buNone/>
+            </a:pPr>
+            <a:endParaRPr lang="en-US" altLang="zh-CN" dirty="0">
+              <a:solidFill>
+                <a:srgbClr val="000000"/>
+              </a:solidFill>
+              <a:latin typeface="华文细黑" panose="02010600040101010101" pitchFamily="2" charset="-122"/>
+              <a:ea typeface="华文细黑" panose="02010600040101010101" pitchFamily="2" charset="-122"/>
+              <a:cs typeface="STHeiti Light" charset="-122"/>
+            </a:endParaRPr>
+          </a:p>
+          <a:p>
+            <a:pPr marL="0" indent="0">
+              <a:lnSpc>
+                <a:spcPct val="150000"/>
+              </a:lnSpc>
+              <a:buNone/>
+            </a:pPr>
+            <a:r>
+              <a:rPr lang="zh-CN" altLang="en-US" dirty="0">
+                <a:solidFill>
+                  <a:srgbClr val="000000"/>
+                </a:solidFill>
+                <a:latin typeface="华文细黑" panose="02010600040101010101" pitchFamily="2" charset="-122"/>
+                <a:ea typeface="华文细黑" panose="02010600040101010101" pitchFamily="2" charset="-122"/>
+                <a:cs typeface="STHeiti Light" charset="-122"/>
+              </a:rPr>
+              <a:t>例子： </a:t>
+            </a:r>
+            <a:r>
+              <a:rPr lang="en-US" altLang="zh-CN" dirty="0">
+                <a:latin typeface="华文细黑" panose="02010600040101010101" pitchFamily="2" charset="-122"/>
+                <a:ea typeface="华文细黑" panose="02010600040101010101" pitchFamily="2" charset="-122"/>
+                <a:hlinkClick r:id="rId3"/>
+              </a:rPr>
+              <a:t>https://godoc.org/golang.org/x/sync/semaphore#example-package--WorkerPool</a:t>
+            </a:r>
+            <a:endParaRPr lang="en-US" altLang="zh-CN" dirty="0">
+              <a:solidFill>
+                <a:srgbClr val="000000"/>
+              </a:solidFill>
+              <a:latin typeface="华文细黑" panose="02010600040101010101" pitchFamily="2" charset="-122"/>
+              <a:ea typeface="华文细黑" panose="02010600040101010101" pitchFamily="2" charset="-122"/>
+              <a:cs typeface="STHeiti Light" charset="-122"/>
+            </a:endParaRPr>
+          </a:p>
+          <a:p>
+            <a:pPr marL="0" indent="0">
+              <a:lnSpc>
+                <a:spcPct val="150000"/>
+              </a:lnSpc>
+              <a:buNone/>
             </a:pPr>
             <a:endParaRPr lang="zh-CN" altLang="en-US" dirty="0">
               <a:solidFill>
                 <a:srgbClr val="000000"/>
               </a:solidFill>
-              <a:latin typeface="STHeiti Light" charset="-122"/>
-              <a:ea typeface="STHeiti Light" charset="-122"/>
+              <a:latin typeface="华文细黑" panose="02010600040101010101" pitchFamily="2" charset="-122"/>
+              <a:ea typeface="华文细黑" panose="02010600040101010101" pitchFamily="2" charset="-122"/>
               <a:cs typeface="STHeiti Light" charset="-122"/>
             </a:endParaRPr>
           </a:p>
@@ -21794,7 +23488,7 @@
     </p:spTree>
     <p:extLst>
       <p:ext uri="{BB962C8B-B14F-4D97-AF65-F5344CB8AC3E}">
-        <p14:creationId xmlns:p14="http://schemas.microsoft.com/office/powerpoint/2010/main" val="2869531186"/>
+        <p14:creationId xmlns:p14="http://schemas.microsoft.com/office/powerpoint/2010/main" val="2538977245"/>
       </p:ext>
     </p:extLst>
   </p:cSld>
@@ -21837,6 +23531,1214 @@
           <a:lstStyle/>
           <a:p>
             <a:r>
+              <a:rPr lang="en-US" altLang="zh-CN" sz="4800" b="1" dirty="0">
+                <a:solidFill>
+                  <a:srgbClr val="439EFF"/>
+                </a:solidFill>
+                <a:latin typeface="幼圆" pitchFamily="49" charset="-122"/>
+                <a:ea typeface="幼圆" pitchFamily="49" charset="-122"/>
+              </a:rPr>
+              <a:t>Golang</a:t>
+            </a:r>
+            <a:r>
+              <a:rPr lang="zh-CN" altLang="en-US" sz="4800" b="1" dirty="0">
+                <a:solidFill>
+                  <a:srgbClr val="439EFF"/>
+                </a:solidFill>
+                <a:latin typeface="幼圆" pitchFamily="49" charset="-122"/>
+                <a:ea typeface="幼圆" pitchFamily="49" charset="-122"/>
+              </a:rPr>
+              <a:t>同步机制</a:t>
+            </a:r>
+            <a:r>
+              <a:rPr lang="en-US" altLang="zh-CN" sz="4800" b="1" dirty="0">
+                <a:solidFill>
+                  <a:srgbClr val="439EFF"/>
+                </a:solidFill>
+                <a:latin typeface="幼圆" pitchFamily="49" charset="-122"/>
+                <a:ea typeface="幼圆" pitchFamily="49" charset="-122"/>
+              </a:rPr>
+              <a:t>: </a:t>
+            </a:r>
+            <a:r>
+              <a:rPr lang="en-US" altLang="zh-CN" sz="4800" b="1" dirty="0" err="1">
+                <a:solidFill>
+                  <a:srgbClr val="439EFF"/>
+                </a:solidFill>
+                <a:latin typeface="幼圆" pitchFamily="49" charset="-122"/>
+                <a:ea typeface="幼圆" pitchFamily="49" charset="-122"/>
+              </a:rPr>
+              <a:t>singleflight</a:t>
+            </a:r>
+            <a:r>
+              <a:rPr lang="en-US" altLang="zh-CN" sz="4800" b="1" dirty="0">
+                <a:solidFill>
+                  <a:srgbClr val="439EFF"/>
+                </a:solidFill>
+                <a:latin typeface="幼圆" pitchFamily="49" charset="-122"/>
+                <a:ea typeface="幼圆" pitchFamily="49" charset="-122"/>
+              </a:rPr>
+              <a:t> </a:t>
+            </a:r>
+            <a:endParaRPr lang="zh-CN" altLang="en-US" dirty="0"/>
+          </a:p>
+        </p:txBody>
+      </p:sp>
+      <p:sp>
+        <p:nvSpPr>
+          <p:cNvPr id="6" name="内容占位符 2">
+            <a:extLst>
+              <a:ext uri="{FF2B5EF4-FFF2-40B4-BE49-F238E27FC236}">
+                <a16:creationId xmlns:a16="http://schemas.microsoft.com/office/drawing/2014/main" id="{5CF0605D-F00D-4B3F-BF60-F5D0CFAD1765}"/>
+              </a:ext>
+            </a:extLst>
+          </p:cNvPr>
+          <p:cNvSpPr txBox="1">
+            <a:spLocks noGrp="1"/>
+          </p:cNvSpPr>
+          <p:nvPr>
+            <p:ph idx="1"/>
+          </p:nvPr>
+        </p:nvSpPr>
+        <p:spPr>
+          <a:xfrm>
+            <a:off x="639763" y="2239963"/>
+            <a:ext cx="11522075" cy="6337300"/>
+          </a:xfrm>
+          <a:prstGeom prst="rect">
+            <a:avLst/>
+          </a:prstGeom>
+          <a:ln>
+            <a:solidFill>
+              <a:schemeClr val="accent1">
+                <a:lumMod val="20000"/>
+                <a:lumOff val="80000"/>
+              </a:schemeClr>
+            </a:solidFill>
+          </a:ln>
+        </p:spPr>
+        <p:txBody>
+          <a:bodyPr vert="horz" lIns="128016" tIns="64008" rIns="128016" bIns="64008" rtlCol="0">
+            <a:noAutofit/>
+          </a:bodyPr>
+          <a:lstStyle>
+            <a:lvl1pPr marL="480060" indent="-480060" algn="l" defTabSz="1280160" rtl="0" eaLnBrk="1" latinLnBrk="0" hangingPunct="1">
+              <a:spcBef>
+                <a:spcPct val="20000"/>
+              </a:spcBef>
+              <a:buFont typeface="Arial" pitchFamily="34" charset="0"/>
+              <a:buChar char="•"/>
+              <a:defRPr sz="2000" kern="1200">
+                <a:solidFill>
+                  <a:schemeClr val="bg1">
+                    <a:lumMod val="65000"/>
+                  </a:schemeClr>
+                </a:solidFill>
+                <a:latin typeface="+mn-lt"/>
+                <a:ea typeface="+mn-ea"/>
+                <a:cs typeface="+mn-cs"/>
+              </a:defRPr>
+            </a:lvl1pPr>
+            <a:lvl2pPr marL="1040130" indent="-400050" algn="l" defTabSz="1280160" rtl="0" eaLnBrk="1" latinLnBrk="0" hangingPunct="1">
+              <a:spcBef>
+                <a:spcPct val="20000"/>
+              </a:spcBef>
+              <a:buFont typeface="Arial" pitchFamily="34" charset="0"/>
+              <a:buChar char="–"/>
+              <a:defRPr sz="1700" kern="1200">
+                <a:solidFill>
+                  <a:schemeClr val="bg1">
+                    <a:lumMod val="65000"/>
+                  </a:schemeClr>
+                </a:solidFill>
+                <a:latin typeface="+mn-lt"/>
+                <a:ea typeface="+mn-ea"/>
+                <a:cs typeface="+mn-cs"/>
+              </a:defRPr>
+            </a:lvl2pPr>
+            <a:lvl3pPr marL="1600200" indent="-320040" algn="l" defTabSz="1280160" rtl="0" eaLnBrk="1" latinLnBrk="0" hangingPunct="1">
+              <a:spcBef>
+                <a:spcPct val="20000"/>
+              </a:spcBef>
+              <a:buFont typeface="Arial" pitchFamily="34" charset="0"/>
+              <a:buChar char="•"/>
+              <a:defRPr sz="1500" kern="1200">
+                <a:solidFill>
+                  <a:schemeClr val="bg1">
+                    <a:lumMod val="65000"/>
+                  </a:schemeClr>
+                </a:solidFill>
+                <a:latin typeface="+mn-lt"/>
+                <a:ea typeface="+mn-ea"/>
+                <a:cs typeface="+mn-cs"/>
+              </a:defRPr>
+            </a:lvl3pPr>
+            <a:lvl4pPr marL="2240280" indent="-320040" algn="l" defTabSz="1280160" rtl="0" eaLnBrk="1" latinLnBrk="0" hangingPunct="1">
+              <a:spcBef>
+                <a:spcPct val="20000"/>
+              </a:spcBef>
+              <a:buFont typeface="Arial" pitchFamily="34" charset="0"/>
+              <a:buChar char="–"/>
+              <a:defRPr sz="1500" kern="1200">
+                <a:solidFill>
+                  <a:schemeClr val="bg1">
+                    <a:lumMod val="65000"/>
+                  </a:schemeClr>
+                </a:solidFill>
+                <a:latin typeface="+mn-lt"/>
+                <a:ea typeface="+mn-ea"/>
+                <a:cs typeface="+mn-cs"/>
+              </a:defRPr>
+            </a:lvl4pPr>
+            <a:lvl5pPr marL="2880360" indent="-320040" algn="l" defTabSz="1280160" rtl="0" eaLnBrk="1" latinLnBrk="0" hangingPunct="1">
+              <a:spcBef>
+                <a:spcPct val="20000"/>
+              </a:spcBef>
+              <a:buFont typeface="Arial" pitchFamily="34" charset="0"/>
+              <a:buChar char="»"/>
+              <a:defRPr sz="1500" kern="1200">
+                <a:solidFill>
+                  <a:schemeClr val="bg1">
+                    <a:lumMod val="65000"/>
+                  </a:schemeClr>
+                </a:solidFill>
+                <a:latin typeface="+mn-lt"/>
+                <a:ea typeface="+mn-ea"/>
+                <a:cs typeface="+mn-cs"/>
+              </a:defRPr>
+            </a:lvl5pPr>
+            <a:lvl6pPr marL="3520440" indent="-320040" algn="l" defTabSz="1280160" rtl="0" eaLnBrk="1" latinLnBrk="0" hangingPunct="1">
+              <a:spcBef>
+                <a:spcPct val="20000"/>
+              </a:spcBef>
+              <a:buFont typeface="Arial" pitchFamily="34" charset="0"/>
+              <a:buChar char="•"/>
+              <a:defRPr sz="2800" kern="1200">
+                <a:solidFill>
+                  <a:schemeClr val="tx1"/>
+                </a:solidFill>
+                <a:latin typeface="+mn-lt"/>
+                <a:ea typeface="+mn-ea"/>
+                <a:cs typeface="+mn-cs"/>
+              </a:defRPr>
+            </a:lvl6pPr>
+            <a:lvl7pPr marL="4160520" indent="-320040" algn="l" defTabSz="1280160" rtl="0" eaLnBrk="1" latinLnBrk="0" hangingPunct="1">
+              <a:spcBef>
+                <a:spcPct val="20000"/>
+              </a:spcBef>
+              <a:buFont typeface="Arial" pitchFamily="34" charset="0"/>
+              <a:buChar char="•"/>
+              <a:defRPr sz="2800" kern="1200">
+                <a:solidFill>
+                  <a:schemeClr val="tx1"/>
+                </a:solidFill>
+                <a:latin typeface="+mn-lt"/>
+                <a:ea typeface="+mn-ea"/>
+                <a:cs typeface="+mn-cs"/>
+              </a:defRPr>
+            </a:lvl7pPr>
+            <a:lvl8pPr marL="4800600" indent="-320040" algn="l" defTabSz="1280160" rtl="0" eaLnBrk="1" latinLnBrk="0" hangingPunct="1">
+              <a:spcBef>
+                <a:spcPct val="20000"/>
+              </a:spcBef>
+              <a:buFont typeface="Arial" pitchFamily="34" charset="0"/>
+              <a:buChar char="•"/>
+              <a:defRPr sz="2800" kern="1200">
+                <a:solidFill>
+                  <a:schemeClr val="tx1"/>
+                </a:solidFill>
+                <a:latin typeface="+mn-lt"/>
+                <a:ea typeface="+mn-ea"/>
+                <a:cs typeface="+mn-cs"/>
+              </a:defRPr>
+            </a:lvl8pPr>
+            <a:lvl9pPr marL="5440680" indent="-320040" algn="l" defTabSz="1280160" rtl="0" eaLnBrk="1" latinLnBrk="0" hangingPunct="1">
+              <a:spcBef>
+                <a:spcPct val="20000"/>
+              </a:spcBef>
+              <a:buFont typeface="Arial" pitchFamily="34" charset="0"/>
+              <a:buChar char="•"/>
+              <a:defRPr sz="2800" kern="1200">
+                <a:solidFill>
+                  <a:schemeClr val="tx1"/>
+                </a:solidFill>
+                <a:latin typeface="+mn-lt"/>
+                <a:ea typeface="+mn-ea"/>
+                <a:cs typeface="+mn-cs"/>
+              </a:defRPr>
+            </a:lvl9pPr>
+          </a:lstStyle>
+          <a:p>
+            <a:pPr marL="0" indent="0">
+              <a:lnSpc>
+                <a:spcPct val="150000"/>
+              </a:lnSpc>
+              <a:buNone/>
+            </a:pPr>
+            <a:r>
+              <a:rPr lang="en-US" altLang="zh-CN" dirty="0" err="1">
+                <a:solidFill>
+                  <a:srgbClr val="000000"/>
+                </a:solidFill>
+                <a:latin typeface="华文细黑" panose="02010600040101010101" pitchFamily="2" charset="-122"/>
+                <a:ea typeface="华文细黑" panose="02010600040101010101" pitchFamily="2" charset="-122"/>
+                <a:cs typeface="STHeiti Light" charset="-122"/>
+              </a:rPr>
+              <a:t>Singleflight</a:t>
+            </a:r>
+            <a:r>
+              <a:rPr lang="zh-CN" altLang="en-US" dirty="0">
+                <a:solidFill>
+                  <a:srgbClr val="000000"/>
+                </a:solidFill>
+                <a:latin typeface="华文细黑" panose="02010600040101010101" pitchFamily="2" charset="-122"/>
+                <a:ea typeface="华文细黑" panose="02010600040101010101" pitchFamily="2" charset="-122"/>
+                <a:cs typeface="STHeiti Light" charset="-122"/>
+              </a:rPr>
+              <a:t>提供了一个重复的函数调用抑制机制，对于同一个 </a:t>
+            </a:r>
+            <a:r>
+              <a:rPr lang="en-US" altLang="zh-CN" dirty="0">
+                <a:solidFill>
+                  <a:srgbClr val="000000"/>
+                </a:solidFill>
+                <a:latin typeface="华文细黑" panose="02010600040101010101" pitchFamily="2" charset="-122"/>
+                <a:ea typeface="华文细黑" panose="02010600040101010101" pitchFamily="2" charset="-122"/>
+                <a:cs typeface="STHeiti Light" charset="-122"/>
+              </a:rPr>
+              <a:t>Key </a:t>
+            </a:r>
+            <a:r>
+              <a:rPr lang="zh-CN" altLang="en-US" dirty="0">
+                <a:solidFill>
+                  <a:srgbClr val="000000"/>
+                </a:solidFill>
+                <a:latin typeface="华文细黑" panose="02010600040101010101" pitchFamily="2" charset="-122"/>
+                <a:ea typeface="华文细黑" panose="02010600040101010101" pitchFamily="2" charset="-122"/>
+                <a:cs typeface="STHeiti Light" charset="-122"/>
+              </a:rPr>
+              <a:t>最终只会进行一次函数调用。主要</a:t>
+            </a:r>
+            <a:r>
+              <a:rPr lang="en-US" altLang="zh-CN" dirty="0">
+                <a:solidFill>
+                  <a:srgbClr val="000000"/>
+                </a:solidFill>
+                <a:latin typeface="华文细黑" panose="02010600040101010101" pitchFamily="2" charset="-122"/>
+                <a:ea typeface="华文细黑" panose="02010600040101010101" pitchFamily="2" charset="-122"/>
+                <a:cs typeface="STHeiti Light" charset="-122"/>
+              </a:rPr>
+              <a:t>functions</a:t>
+            </a:r>
+            <a:r>
+              <a:rPr lang="zh-CN" altLang="en-US" dirty="0">
+                <a:solidFill>
+                  <a:srgbClr val="000000"/>
+                </a:solidFill>
+                <a:latin typeface="华文细黑" panose="02010600040101010101" pitchFamily="2" charset="-122"/>
+                <a:ea typeface="华文细黑" panose="02010600040101010101" pitchFamily="2" charset="-122"/>
+                <a:cs typeface="STHeiti Light" charset="-122"/>
+              </a:rPr>
+              <a:t>：</a:t>
+            </a:r>
+            <a:endParaRPr lang="en-US" altLang="zh-CN" dirty="0">
+              <a:solidFill>
+                <a:srgbClr val="000000"/>
+              </a:solidFill>
+              <a:latin typeface="华文细黑" panose="02010600040101010101" pitchFamily="2" charset="-122"/>
+              <a:ea typeface="华文细黑" panose="02010600040101010101" pitchFamily="2" charset="-122"/>
+              <a:cs typeface="STHeiti Light" charset="-122"/>
+            </a:endParaRPr>
+          </a:p>
+          <a:p>
+            <a:pPr marL="560070" lvl="1" indent="0">
+              <a:lnSpc>
+                <a:spcPct val="150000"/>
+              </a:lnSpc>
+              <a:buNone/>
+            </a:pPr>
+            <a:r>
+              <a:rPr lang="en-US" altLang="zh-CN" sz="1600" i="1" dirty="0" err="1">
+                <a:solidFill>
+                  <a:srgbClr val="000000"/>
+                </a:solidFill>
+                <a:latin typeface="华文细黑" panose="02010600040101010101" pitchFamily="2" charset="-122"/>
+                <a:ea typeface="华文细黑" panose="02010600040101010101" pitchFamily="2" charset="-122"/>
+                <a:cs typeface="STHeiti Light" charset="-122"/>
+              </a:rPr>
+              <a:t>func</a:t>
+            </a:r>
+            <a:r>
+              <a:rPr lang="en-US" altLang="zh-CN" sz="1600" i="1" dirty="0">
+                <a:solidFill>
+                  <a:srgbClr val="000000"/>
+                </a:solidFill>
+                <a:latin typeface="华文细黑" panose="02010600040101010101" pitchFamily="2" charset="-122"/>
+                <a:ea typeface="华文细黑" panose="02010600040101010101" pitchFamily="2" charset="-122"/>
+                <a:cs typeface="STHeiti Light" charset="-122"/>
+              </a:rPr>
+              <a:t> (g *Group) Do(key string, </a:t>
+            </a:r>
+            <a:r>
+              <a:rPr lang="en-US" altLang="zh-CN" sz="1600" i="1" dirty="0" err="1">
+                <a:solidFill>
+                  <a:srgbClr val="000000"/>
+                </a:solidFill>
+                <a:latin typeface="华文细黑" panose="02010600040101010101" pitchFamily="2" charset="-122"/>
+                <a:ea typeface="华文细黑" panose="02010600040101010101" pitchFamily="2" charset="-122"/>
+                <a:cs typeface="STHeiti Light" charset="-122"/>
+              </a:rPr>
+              <a:t>fn</a:t>
+            </a:r>
+            <a:r>
+              <a:rPr lang="en-US" altLang="zh-CN" sz="1600" i="1" dirty="0">
+                <a:solidFill>
+                  <a:srgbClr val="000000"/>
+                </a:solidFill>
+                <a:latin typeface="华文细黑" panose="02010600040101010101" pitchFamily="2" charset="-122"/>
+                <a:ea typeface="华文细黑" panose="02010600040101010101" pitchFamily="2" charset="-122"/>
+                <a:cs typeface="STHeiti Light" charset="-122"/>
+              </a:rPr>
+              <a:t> </a:t>
+            </a:r>
+            <a:r>
+              <a:rPr lang="en-US" altLang="zh-CN" sz="1600" i="1" dirty="0" err="1">
+                <a:solidFill>
+                  <a:srgbClr val="000000"/>
+                </a:solidFill>
+                <a:latin typeface="华文细黑" panose="02010600040101010101" pitchFamily="2" charset="-122"/>
+                <a:ea typeface="华文细黑" panose="02010600040101010101" pitchFamily="2" charset="-122"/>
+                <a:cs typeface="STHeiti Light" charset="-122"/>
+              </a:rPr>
+              <a:t>func</a:t>
+            </a:r>
+            <a:r>
+              <a:rPr lang="en-US" altLang="zh-CN" sz="1600" i="1" dirty="0">
+                <a:solidFill>
+                  <a:srgbClr val="000000"/>
+                </a:solidFill>
+                <a:latin typeface="华文细黑" panose="02010600040101010101" pitchFamily="2" charset="-122"/>
+                <a:ea typeface="华文细黑" panose="02010600040101010101" pitchFamily="2" charset="-122"/>
+                <a:cs typeface="STHeiti Light" charset="-122"/>
+              </a:rPr>
+              <a:t>() (interface{}, error)) (v interface{}, err error, shared bool)</a:t>
+            </a:r>
+          </a:p>
+          <a:p>
+            <a:pPr marL="560070" lvl="1" indent="0">
+              <a:lnSpc>
+                <a:spcPct val="150000"/>
+              </a:lnSpc>
+              <a:buNone/>
+            </a:pPr>
+            <a:r>
+              <a:rPr lang="en-US" altLang="zh-CN" sz="1600" i="1" dirty="0" err="1">
+                <a:solidFill>
+                  <a:srgbClr val="000000"/>
+                </a:solidFill>
+                <a:latin typeface="华文细黑" panose="02010600040101010101" pitchFamily="2" charset="-122"/>
+                <a:ea typeface="华文细黑" panose="02010600040101010101" pitchFamily="2" charset="-122"/>
+                <a:cs typeface="STHeiti Light" charset="-122"/>
+              </a:rPr>
+              <a:t>func</a:t>
+            </a:r>
+            <a:r>
+              <a:rPr lang="en-US" altLang="zh-CN" sz="1600" i="1" dirty="0">
+                <a:solidFill>
+                  <a:srgbClr val="000000"/>
+                </a:solidFill>
+                <a:latin typeface="华文细黑" panose="02010600040101010101" pitchFamily="2" charset="-122"/>
+                <a:ea typeface="华文细黑" panose="02010600040101010101" pitchFamily="2" charset="-122"/>
+                <a:cs typeface="STHeiti Light" charset="-122"/>
+              </a:rPr>
+              <a:t> (g *Group) </a:t>
+            </a:r>
+            <a:r>
+              <a:rPr lang="en-US" altLang="zh-CN" sz="1600" i="1" dirty="0" err="1">
+                <a:solidFill>
+                  <a:srgbClr val="000000"/>
+                </a:solidFill>
+                <a:latin typeface="华文细黑" panose="02010600040101010101" pitchFamily="2" charset="-122"/>
+                <a:ea typeface="华文细黑" panose="02010600040101010101" pitchFamily="2" charset="-122"/>
+                <a:cs typeface="STHeiti Light" charset="-122"/>
+              </a:rPr>
+              <a:t>DoChan</a:t>
+            </a:r>
+            <a:r>
+              <a:rPr lang="en-US" altLang="zh-CN" sz="1600" i="1" dirty="0">
+                <a:solidFill>
+                  <a:srgbClr val="000000"/>
+                </a:solidFill>
+                <a:latin typeface="华文细黑" panose="02010600040101010101" pitchFamily="2" charset="-122"/>
+                <a:ea typeface="华文细黑" panose="02010600040101010101" pitchFamily="2" charset="-122"/>
+                <a:cs typeface="STHeiti Light" charset="-122"/>
+              </a:rPr>
+              <a:t>(key string, </a:t>
+            </a:r>
+            <a:r>
+              <a:rPr lang="en-US" altLang="zh-CN" sz="1600" i="1" dirty="0" err="1">
+                <a:solidFill>
+                  <a:srgbClr val="000000"/>
+                </a:solidFill>
+                <a:latin typeface="华文细黑" panose="02010600040101010101" pitchFamily="2" charset="-122"/>
+                <a:ea typeface="华文细黑" panose="02010600040101010101" pitchFamily="2" charset="-122"/>
+                <a:cs typeface="STHeiti Light" charset="-122"/>
+              </a:rPr>
+              <a:t>fn</a:t>
+            </a:r>
+            <a:r>
+              <a:rPr lang="en-US" altLang="zh-CN" sz="1600" i="1" dirty="0">
+                <a:solidFill>
+                  <a:srgbClr val="000000"/>
+                </a:solidFill>
+                <a:latin typeface="华文细黑" panose="02010600040101010101" pitchFamily="2" charset="-122"/>
+                <a:ea typeface="华文细黑" panose="02010600040101010101" pitchFamily="2" charset="-122"/>
+                <a:cs typeface="STHeiti Light" charset="-122"/>
+              </a:rPr>
+              <a:t> </a:t>
+            </a:r>
+            <a:r>
+              <a:rPr lang="en-US" altLang="zh-CN" sz="1600" i="1" dirty="0" err="1">
+                <a:solidFill>
+                  <a:srgbClr val="000000"/>
+                </a:solidFill>
+                <a:latin typeface="华文细黑" panose="02010600040101010101" pitchFamily="2" charset="-122"/>
+                <a:ea typeface="华文细黑" panose="02010600040101010101" pitchFamily="2" charset="-122"/>
+                <a:cs typeface="STHeiti Light" charset="-122"/>
+              </a:rPr>
+              <a:t>func</a:t>
+            </a:r>
+            <a:r>
+              <a:rPr lang="en-US" altLang="zh-CN" sz="1600" i="1" dirty="0">
+                <a:solidFill>
+                  <a:srgbClr val="000000"/>
+                </a:solidFill>
+                <a:latin typeface="华文细黑" panose="02010600040101010101" pitchFamily="2" charset="-122"/>
+                <a:ea typeface="华文细黑" panose="02010600040101010101" pitchFamily="2" charset="-122"/>
+                <a:cs typeface="STHeiti Light" charset="-122"/>
+              </a:rPr>
+              <a:t>() (interface{}, error)) &lt;-</a:t>
+            </a:r>
+            <a:r>
+              <a:rPr lang="en-US" altLang="zh-CN" sz="1600" i="1" dirty="0" err="1">
+                <a:solidFill>
+                  <a:srgbClr val="000000"/>
+                </a:solidFill>
+                <a:latin typeface="华文细黑" panose="02010600040101010101" pitchFamily="2" charset="-122"/>
+                <a:ea typeface="华文细黑" panose="02010600040101010101" pitchFamily="2" charset="-122"/>
+                <a:cs typeface="STHeiti Light" charset="-122"/>
+              </a:rPr>
+              <a:t>chan</a:t>
+            </a:r>
+            <a:r>
+              <a:rPr lang="en-US" altLang="zh-CN" sz="1600" i="1" dirty="0">
+                <a:solidFill>
+                  <a:srgbClr val="000000"/>
+                </a:solidFill>
+                <a:latin typeface="华文细黑" panose="02010600040101010101" pitchFamily="2" charset="-122"/>
+                <a:ea typeface="华文细黑" panose="02010600040101010101" pitchFamily="2" charset="-122"/>
+                <a:cs typeface="STHeiti Light" charset="-122"/>
+              </a:rPr>
+              <a:t> Result</a:t>
+            </a:r>
+          </a:p>
+          <a:p>
+            <a:pPr marL="560070" lvl="1" indent="0">
+              <a:lnSpc>
+                <a:spcPct val="150000"/>
+              </a:lnSpc>
+              <a:buNone/>
+            </a:pPr>
+            <a:r>
+              <a:rPr lang="en-US" altLang="zh-CN" sz="1600" i="1" dirty="0" err="1">
+                <a:solidFill>
+                  <a:srgbClr val="000000"/>
+                </a:solidFill>
+                <a:latin typeface="华文细黑" panose="02010600040101010101" pitchFamily="2" charset="-122"/>
+                <a:ea typeface="华文细黑" panose="02010600040101010101" pitchFamily="2" charset="-122"/>
+                <a:cs typeface="STHeiti Light" charset="-122"/>
+              </a:rPr>
+              <a:t>func</a:t>
+            </a:r>
+            <a:r>
+              <a:rPr lang="en-US" altLang="zh-CN" sz="1600" i="1" dirty="0">
+                <a:solidFill>
+                  <a:srgbClr val="000000"/>
+                </a:solidFill>
+                <a:latin typeface="华文细黑" panose="02010600040101010101" pitchFamily="2" charset="-122"/>
+                <a:ea typeface="华文细黑" panose="02010600040101010101" pitchFamily="2" charset="-122"/>
+                <a:cs typeface="STHeiti Light" charset="-122"/>
+              </a:rPr>
+              <a:t> (g *Group) Forget(key string)</a:t>
+            </a:r>
+            <a:endParaRPr lang="en-US" altLang="zh-CN" dirty="0">
+              <a:solidFill>
+                <a:srgbClr val="000000"/>
+              </a:solidFill>
+              <a:latin typeface="华文细黑" panose="02010600040101010101" pitchFamily="2" charset="-122"/>
+              <a:ea typeface="华文细黑" panose="02010600040101010101" pitchFamily="2" charset="-122"/>
+              <a:cs typeface="STHeiti Light" charset="-122"/>
+            </a:endParaRPr>
+          </a:p>
+          <a:p>
+            <a:pPr marL="0" indent="0">
+              <a:lnSpc>
+                <a:spcPct val="150000"/>
+              </a:lnSpc>
+              <a:buNone/>
+            </a:pPr>
+            <a:r>
+              <a:rPr lang="zh-CN" altLang="en-US" dirty="0">
+                <a:solidFill>
+                  <a:srgbClr val="000000"/>
+                </a:solidFill>
+                <a:latin typeface="华文细黑" panose="02010600040101010101" pitchFamily="2" charset="-122"/>
+                <a:ea typeface="华文细黑" panose="02010600040101010101" pitchFamily="2" charset="-122"/>
+                <a:cs typeface="STHeiti Light" charset="-122"/>
+              </a:rPr>
+              <a:t>注意事项</a:t>
+            </a:r>
+            <a:endParaRPr lang="en-US" altLang="zh-CN" dirty="0">
+              <a:solidFill>
+                <a:srgbClr val="000000"/>
+              </a:solidFill>
+              <a:latin typeface="华文细黑" panose="02010600040101010101" pitchFamily="2" charset="-122"/>
+              <a:ea typeface="华文细黑" panose="02010600040101010101" pitchFamily="2" charset="-122"/>
+              <a:cs typeface="STHeiti Light" charset="-122"/>
+            </a:endParaRPr>
+          </a:p>
+          <a:p>
+            <a:pPr>
+              <a:lnSpc>
+                <a:spcPct val="150000"/>
+              </a:lnSpc>
+              <a:buFont typeface="Wingdings" panose="05000000000000000000" pitchFamily="2" charset="2"/>
+              <a:buChar char="n"/>
+            </a:pPr>
+            <a:r>
+              <a:rPr lang="en-US" altLang="zh-CN" dirty="0">
+                <a:solidFill>
+                  <a:srgbClr val="000000"/>
+                </a:solidFill>
+                <a:latin typeface="华文细黑" panose="02010600040101010101" pitchFamily="2" charset="-122"/>
+                <a:ea typeface="华文细黑" panose="02010600040101010101" pitchFamily="2" charset="-122"/>
+                <a:cs typeface="STHeiti Light" charset="-122"/>
+              </a:rPr>
+              <a:t>Do </a:t>
+            </a:r>
+            <a:r>
+              <a:rPr lang="zh-CN" altLang="en-US" dirty="0">
+                <a:solidFill>
+                  <a:srgbClr val="000000"/>
+                </a:solidFill>
+                <a:latin typeface="华文细黑" panose="02010600040101010101" pitchFamily="2" charset="-122"/>
+                <a:ea typeface="华文细黑" panose="02010600040101010101" pitchFamily="2" charset="-122"/>
+                <a:cs typeface="STHeiti Light" charset="-122"/>
+              </a:rPr>
+              <a:t>和 </a:t>
+            </a:r>
+            <a:r>
+              <a:rPr lang="en-US" altLang="zh-CN" dirty="0" err="1">
+                <a:solidFill>
+                  <a:srgbClr val="000000"/>
+                </a:solidFill>
+                <a:latin typeface="华文细黑" panose="02010600040101010101" pitchFamily="2" charset="-122"/>
+                <a:ea typeface="华文细黑" panose="02010600040101010101" pitchFamily="2" charset="-122"/>
+                <a:cs typeface="STHeiti Light" charset="-122"/>
+              </a:rPr>
+              <a:t>DoChan</a:t>
+            </a:r>
+            <a:r>
+              <a:rPr lang="en-US" altLang="zh-CN" dirty="0">
+                <a:solidFill>
+                  <a:srgbClr val="000000"/>
+                </a:solidFill>
+                <a:latin typeface="华文细黑" panose="02010600040101010101" pitchFamily="2" charset="-122"/>
+                <a:ea typeface="华文细黑" panose="02010600040101010101" pitchFamily="2" charset="-122"/>
+                <a:cs typeface="STHeiti Light" charset="-122"/>
+              </a:rPr>
+              <a:t> </a:t>
+            </a:r>
+            <a:r>
+              <a:rPr lang="zh-CN" altLang="en-US" dirty="0">
+                <a:solidFill>
+                  <a:srgbClr val="000000"/>
+                </a:solidFill>
+                <a:latin typeface="华文细黑" panose="02010600040101010101" pitchFamily="2" charset="-122"/>
+                <a:ea typeface="华文细黑" panose="02010600040101010101" pitchFamily="2" charset="-122"/>
+                <a:cs typeface="STHeiti Light" charset="-122"/>
+              </a:rPr>
+              <a:t>一个用于同步阻塞调用传入的函数，一个用于异步调用传入的参数并通过 </a:t>
+            </a:r>
+            <a:r>
+              <a:rPr lang="en-US" altLang="zh-CN" dirty="0">
+                <a:solidFill>
+                  <a:srgbClr val="000000"/>
+                </a:solidFill>
+                <a:latin typeface="华文细黑" panose="02010600040101010101" pitchFamily="2" charset="-122"/>
+                <a:ea typeface="华文细黑" panose="02010600040101010101" pitchFamily="2" charset="-122"/>
+                <a:cs typeface="STHeiti Light" charset="-122"/>
+              </a:rPr>
+              <a:t>Channel </a:t>
+            </a:r>
+            <a:r>
+              <a:rPr lang="zh-CN" altLang="en-US" dirty="0">
+                <a:solidFill>
+                  <a:srgbClr val="000000"/>
+                </a:solidFill>
+                <a:latin typeface="华文细黑" panose="02010600040101010101" pitchFamily="2" charset="-122"/>
+                <a:ea typeface="华文细黑" panose="02010600040101010101" pitchFamily="2" charset="-122"/>
+                <a:cs typeface="STHeiti Light" charset="-122"/>
+              </a:rPr>
+              <a:t>接受函数的返回值；</a:t>
+            </a:r>
+          </a:p>
+          <a:p>
+            <a:pPr>
+              <a:lnSpc>
+                <a:spcPct val="150000"/>
+              </a:lnSpc>
+              <a:buFont typeface="Wingdings" panose="05000000000000000000" pitchFamily="2" charset="2"/>
+              <a:buChar char="n"/>
+            </a:pPr>
+            <a:r>
+              <a:rPr lang="en-US" altLang="zh-CN" dirty="0">
+                <a:solidFill>
+                  <a:srgbClr val="000000"/>
+                </a:solidFill>
+                <a:latin typeface="华文细黑" panose="02010600040101010101" pitchFamily="2" charset="-122"/>
+                <a:ea typeface="华文细黑" panose="02010600040101010101" pitchFamily="2" charset="-122"/>
+                <a:cs typeface="STHeiti Light" charset="-122"/>
+              </a:rPr>
+              <a:t>Forget </a:t>
+            </a:r>
+            <a:r>
+              <a:rPr lang="zh-CN" altLang="en-US" dirty="0">
+                <a:solidFill>
+                  <a:srgbClr val="000000"/>
+                </a:solidFill>
+                <a:latin typeface="华文细黑" panose="02010600040101010101" pitchFamily="2" charset="-122"/>
+                <a:ea typeface="华文细黑" panose="02010600040101010101" pitchFamily="2" charset="-122"/>
+                <a:cs typeface="STHeiti Light" charset="-122"/>
+              </a:rPr>
+              <a:t>方法可以通知 </a:t>
+            </a:r>
+            <a:r>
+              <a:rPr lang="en-US" altLang="zh-CN" dirty="0" err="1">
+                <a:solidFill>
+                  <a:srgbClr val="000000"/>
+                </a:solidFill>
+                <a:latin typeface="华文细黑" panose="02010600040101010101" pitchFamily="2" charset="-122"/>
+                <a:ea typeface="华文细黑" panose="02010600040101010101" pitchFamily="2" charset="-122"/>
+                <a:cs typeface="STHeiti Light" charset="-122"/>
+              </a:rPr>
+              <a:t>singleflight</a:t>
+            </a:r>
+            <a:r>
+              <a:rPr lang="en-US" altLang="zh-CN" dirty="0">
+                <a:solidFill>
+                  <a:srgbClr val="000000"/>
+                </a:solidFill>
+                <a:latin typeface="华文细黑" panose="02010600040101010101" pitchFamily="2" charset="-122"/>
+                <a:ea typeface="华文细黑" panose="02010600040101010101" pitchFamily="2" charset="-122"/>
+                <a:cs typeface="STHeiti Light" charset="-122"/>
+              </a:rPr>
+              <a:t> </a:t>
+            </a:r>
+            <a:r>
+              <a:rPr lang="zh-CN" altLang="en-US" dirty="0">
+                <a:solidFill>
+                  <a:srgbClr val="000000"/>
+                </a:solidFill>
+                <a:latin typeface="华文细黑" panose="02010600040101010101" pitchFamily="2" charset="-122"/>
+                <a:ea typeface="华文细黑" panose="02010600040101010101" pitchFamily="2" charset="-122"/>
+                <a:cs typeface="STHeiti Light" charset="-122"/>
+              </a:rPr>
+              <a:t>在持有的映射表中删除某个键，接下来对该键的调用就会直接执行方法而不是等待前面的函数返回；</a:t>
+            </a:r>
+          </a:p>
+          <a:p>
+            <a:pPr>
+              <a:lnSpc>
+                <a:spcPct val="150000"/>
+              </a:lnSpc>
+              <a:buFont typeface="Wingdings" panose="05000000000000000000" pitchFamily="2" charset="2"/>
+              <a:buChar char="n"/>
+            </a:pPr>
+            <a:r>
+              <a:rPr lang="zh-CN" altLang="en-US" dirty="0">
+                <a:solidFill>
+                  <a:srgbClr val="000000"/>
+                </a:solidFill>
+                <a:latin typeface="华文细黑" panose="02010600040101010101" pitchFamily="2" charset="-122"/>
+                <a:ea typeface="华文细黑" panose="02010600040101010101" pitchFamily="2" charset="-122"/>
+                <a:cs typeface="STHeiti Light" charset="-122"/>
+              </a:rPr>
+              <a:t>多</a:t>
+            </a:r>
+            <a:r>
+              <a:rPr lang="en-US" altLang="zh-CN" dirty="0">
+                <a:solidFill>
+                  <a:srgbClr val="000000"/>
+                </a:solidFill>
+                <a:latin typeface="华文细黑" panose="02010600040101010101" pitchFamily="2" charset="-122"/>
+                <a:ea typeface="华文细黑" panose="02010600040101010101" pitchFamily="2" charset="-122"/>
+                <a:cs typeface="STHeiti Light" charset="-122"/>
+              </a:rPr>
+              <a:t>Goroutine</a:t>
+            </a:r>
+            <a:r>
+              <a:rPr lang="zh-CN" altLang="en-US" dirty="0">
+                <a:solidFill>
+                  <a:srgbClr val="000000"/>
+                </a:solidFill>
+                <a:latin typeface="华文细黑" panose="02010600040101010101" pitchFamily="2" charset="-122"/>
+                <a:ea typeface="华文细黑" panose="02010600040101010101" pitchFamily="2" charset="-122"/>
+                <a:cs typeface="STHeiti Light" charset="-122"/>
+              </a:rPr>
+              <a:t>调用模式：一旦调用的函数返回了错误，所有在等待的 </a:t>
+            </a:r>
+            <a:r>
+              <a:rPr lang="en-US" altLang="zh-CN" dirty="0">
+                <a:solidFill>
+                  <a:srgbClr val="000000"/>
+                </a:solidFill>
+                <a:latin typeface="华文细黑" panose="02010600040101010101" pitchFamily="2" charset="-122"/>
+                <a:ea typeface="华文细黑" panose="02010600040101010101" pitchFamily="2" charset="-122"/>
+                <a:cs typeface="STHeiti Light" charset="-122"/>
+              </a:rPr>
+              <a:t>Goroutine </a:t>
+            </a:r>
+            <a:r>
+              <a:rPr lang="zh-CN" altLang="en-US" dirty="0">
+                <a:solidFill>
+                  <a:srgbClr val="000000"/>
+                </a:solidFill>
+                <a:latin typeface="华文细黑" panose="02010600040101010101" pitchFamily="2" charset="-122"/>
+                <a:ea typeface="华文细黑" panose="02010600040101010101" pitchFamily="2" charset="-122"/>
+                <a:cs typeface="STHeiti Light" charset="-122"/>
+              </a:rPr>
+              <a:t>也都会接收到同样的错误；</a:t>
+            </a:r>
+            <a:endParaRPr lang="en-US" altLang="zh-CN" dirty="0">
+              <a:solidFill>
+                <a:srgbClr val="000000"/>
+              </a:solidFill>
+              <a:latin typeface="华文细黑" panose="02010600040101010101" pitchFamily="2" charset="-122"/>
+              <a:ea typeface="华文细黑" panose="02010600040101010101" pitchFamily="2" charset="-122"/>
+              <a:cs typeface="STHeiti Light" charset="-122"/>
+            </a:endParaRPr>
+          </a:p>
+          <a:p>
+            <a:pPr marL="0" indent="0">
+              <a:lnSpc>
+                <a:spcPct val="150000"/>
+              </a:lnSpc>
+              <a:buNone/>
+            </a:pPr>
+            <a:endParaRPr lang="en-US" altLang="zh-CN" dirty="0">
+              <a:solidFill>
+                <a:srgbClr val="000000"/>
+              </a:solidFill>
+              <a:latin typeface="华文细黑" panose="02010600040101010101" pitchFamily="2" charset="-122"/>
+              <a:ea typeface="华文细黑" panose="02010600040101010101" pitchFamily="2" charset="-122"/>
+              <a:cs typeface="STHeiti Light" charset="-122"/>
+            </a:endParaRPr>
+          </a:p>
+          <a:p>
+            <a:pPr marL="0" indent="0">
+              <a:lnSpc>
+                <a:spcPct val="150000"/>
+              </a:lnSpc>
+              <a:buNone/>
+            </a:pPr>
+            <a:r>
+              <a:rPr lang="zh-CN" altLang="en-US" dirty="0">
+                <a:solidFill>
+                  <a:srgbClr val="000000"/>
+                </a:solidFill>
+                <a:latin typeface="华文细黑" panose="02010600040101010101" pitchFamily="2" charset="-122"/>
+                <a:ea typeface="华文细黑" panose="02010600040101010101" pitchFamily="2" charset="-122"/>
+                <a:cs typeface="STHeiti Light" charset="-122"/>
+              </a:rPr>
+              <a:t>例子： </a:t>
+            </a:r>
+            <a:r>
+              <a:rPr lang="en-US" altLang="zh-CN" dirty="0" err="1">
+                <a:solidFill>
+                  <a:srgbClr val="000000"/>
+                </a:solidFill>
+                <a:latin typeface="华文细黑" panose="02010600040101010101" pitchFamily="2" charset="-122"/>
+                <a:ea typeface="华文细黑" panose="02010600040101010101" pitchFamily="2" charset="-122"/>
+                <a:cs typeface="STHeiti Light" charset="-122"/>
+              </a:rPr>
+              <a:t>singleflight.go</a:t>
+            </a:r>
+            <a:endParaRPr lang="zh-CN" altLang="en-US" dirty="0">
+              <a:solidFill>
+                <a:srgbClr val="000000"/>
+              </a:solidFill>
+              <a:latin typeface="华文细黑" panose="02010600040101010101" pitchFamily="2" charset="-122"/>
+              <a:ea typeface="华文细黑" panose="02010600040101010101" pitchFamily="2" charset="-122"/>
+              <a:cs typeface="STHeiti Light" charset="-122"/>
+            </a:endParaRPr>
+          </a:p>
+        </p:txBody>
+      </p:sp>
+    </p:spTree>
+    <p:extLst>
+      <p:ext uri="{BB962C8B-B14F-4D97-AF65-F5344CB8AC3E}">
+        <p14:creationId xmlns:p14="http://schemas.microsoft.com/office/powerpoint/2010/main" val="1731223514"/>
+      </p:ext>
+    </p:extLst>
+  </p:cSld>
+  <p:clrMapOvr>
+    <a:masterClrMapping/>
+  </p:clrMapOvr>
+</p:sld>
+</file>
+
+<file path=ppt/slides/slide26.xml><?xml version="1.0" encoding="utf-8"?>
+<p:sld xmlns:a="http://schemas.openxmlformats.org/drawingml/2006/main" xmlns:r="http://schemas.openxmlformats.org/officeDocument/2006/relationships" xmlns:p="http://schemas.openxmlformats.org/presentationml/2006/main">
+  <p:cSld>
+    <p:spTree>
+      <p:nvGrpSpPr>
+        <p:cNvPr id="1" name=""/>
+        <p:cNvGrpSpPr/>
+        <p:nvPr/>
+      </p:nvGrpSpPr>
+      <p:grpSpPr>
+        <a:xfrm>
+          <a:off x="0" y="0"/>
+          <a:ext cx="0" cy="0"/>
+          <a:chOff x="0" y="0"/>
+          <a:chExt cx="0" cy="0"/>
+        </a:xfrm>
+      </p:grpSpPr>
+      <p:sp>
+        <p:nvSpPr>
+          <p:cNvPr id="2" name="标题 1"/>
+          <p:cNvSpPr>
+            <a:spLocks noGrp="1"/>
+          </p:cNvSpPr>
+          <p:nvPr>
+            <p:ph type="title"/>
+          </p:nvPr>
+        </p:nvSpPr>
+        <p:spPr/>
+        <p:txBody>
+          <a:bodyPr/>
+          <a:lstStyle/>
+          <a:p>
+            <a:r>
+              <a:rPr lang="zh-CN" altLang="en-US" sz="4400" b="1" dirty="0">
+                <a:solidFill>
+                  <a:srgbClr val="439EFF"/>
+                </a:solidFill>
+                <a:latin typeface="幼圆" pitchFamily="49" charset="-122"/>
+                <a:ea typeface="幼圆" pitchFamily="49" charset="-122"/>
+              </a:rPr>
+              <a:t>项目实践</a:t>
+            </a:r>
+            <a:r>
+              <a:rPr lang="en-US" altLang="zh-CN" sz="4400" b="1" dirty="0">
+                <a:solidFill>
+                  <a:srgbClr val="439EFF"/>
+                </a:solidFill>
+                <a:latin typeface="幼圆" pitchFamily="49" charset="-122"/>
+                <a:ea typeface="幼圆" pitchFamily="49" charset="-122"/>
+              </a:rPr>
+              <a:t>:Channel Feed</a:t>
+            </a:r>
+            <a:endParaRPr lang="zh-CN" altLang="en-US" dirty="0"/>
+          </a:p>
+        </p:txBody>
+      </p:sp>
+      <p:sp>
+        <p:nvSpPr>
+          <p:cNvPr id="7" name="内容占位符 2">
+            <a:extLst>
+              <a:ext uri="{FF2B5EF4-FFF2-40B4-BE49-F238E27FC236}">
+                <a16:creationId xmlns:a16="http://schemas.microsoft.com/office/drawing/2014/main" id="{5D100BD6-444F-47A9-9CB8-F98084500554}"/>
+              </a:ext>
+            </a:extLst>
+          </p:cNvPr>
+          <p:cNvSpPr>
+            <a:spLocks noGrp="1"/>
+          </p:cNvSpPr>
+          <p:nvPr>
+            <p:ph idx="1"/>
+          </p:nvPr>
+        </p:nvSpPr>
+        <p:spPr>
+          <a:xfrm>
+            <a:off x="639763" y="2239963"/>
+            <a:ext cx="11522075" cy="6337300"/>
+          </a:xfrm>
+          <a:ln>
+            <a:solidFill>
+              <a:schemeClr val="accent1">
+                <a:lumMod val="20000"/>
+                <a:lumOff val="80000"/>
+              </a:schemeClr>
+            </a:solidFill>
+          </a:ln>
+        </p:spPr>
+        <p:txBody>
+          <a:bodyPr>
+            <a:noAutofit/>
+          </a:bodyPr>
+          <a:lstStyle/>
+          <a:p>
+            <a:pPr marL="0" indent="0">
+              <a:buNone/>
+            </a:pPr>
+            <a:r>
+              <a:rPr lang="en-US" altLang="zh-CN" sz="2400" b="1" dirty="0">
+                <a:solidFill>
+                  <a:schemeClr val="accent1">
+                    <a:lumMod val="50000"/>
+                  </a:schemeClr>
+                </a:solidFill>
+                <a:latin typeface="华文细黑" panose="02010600040101010101" pitchFamily="2" charset="-122"/>
+                <a:ea typeface="华文细黑" panose="02010600040101010101" pitchFamily="2" charset="-122"/>
+                <a:cs typeface="STHeiti Light" charset="-122"/>
+              </a:rPr>
+              <a:t>// Feed implements one-to-many subscriptions where the carrier of events is a channel.</a:t>
+            </a:r>
+          </a:p>
+          <a:p>
+            <a:pPr marL="0" indent="0">
+              <a:buNone/>
+            </a:pPr>
+            <a:r>
+              <a:rPr lang="en-US" altLang="zh-CN" sz="2400" b="1" dirty="0">
+                <a:solidFill>
+                  <a:schemeClr val="accent1">
+                    <a:lumMod val="50000"/>
+                  </a:schemeClr>
+                </a:solidFill>
+                <a:latin typeface="华文细黑" panose="02010600040101010101" pitchFamily="2" charset="-122"/>
+                <a:ea typeface="华文细黑" panose="02010600040101010101" pitchFamily="2" charset="-122"/>
+                <a:cs typeface="STHeiti Light" charset="-122"/>
+              </a:rPr>
+              <a:t>// Values sent to a Feed are delivered to all subscribed channels simultaneously.</a:t>
+            </a:r>
+          </a:p>
+          <a:p>
+            <a:pPr marL="0" indent="0">
+              <a:buNone/>
+            </a:pPr>
+            <a:r>
+              <a:rPr lang="en-US" altLang="zh-CN" sz="2400" b="1" dirty="0">
+                <a:solidFill>
+                  <a:schemeClr val="accent1">
+                    <a:lumMod val="50000"/>
+                  </a:schemeClr>
+                </a:solidFill>
+                <a:latin typeface="华文细黑" panose="02010600040101010101" pitchFamily="2" charset="-122"/>
+                <a:ea typeface="华文细黑" panose="02010600040101010101" pitchFamily="2" charset="-122"/>
+                <a:cs typeface="STHeiti Light" charset="-122"/>
+              </a:rPr>
+              <a:t>//</a:t>
+            </a:r>
+          </a:p>
+          <a:p>
+            <a:pPr marL="0" indent="0">
+              <a:buNone/>
+            </a:pPr>
+            <a:r>
+              <a:rPr lang="en-US" altLang="zh-CN" sz="2400" b="1" dirty="0">
+                <a:solidFill>
+                  <a:schemeClr val="accent1">
+                    <a:lumMod val="50000"/>
+                  </a:schemeClr>
+                </a:solidFill>
+                <a:latin typeface="华文细黑" panose="02010600040101010101" pitchFamily="2" charset="-122"/>
+                <a:ea typeface="华文细黑" panose="02010600040101010101" pitchFamily="2" charset="-122"/>
+                <a:cs typeface="STHeiti Light" charset="-122"/>
+              </a:rPr>
+              <a:t>// Feeds can only be used with a single type. The type is determined by the first Send or</a:t>
+            </a:r>
+          </a:p>
+          <a:p>
+            <a:pPr marL="0" indent="0">
+              <a:buNone/>
+            </a:pPr>
+            <a:r>
+              <a:rPr lang="en-US" altLang="zh-CN" sz="2400" b="1" dirty="0">
+                <a:solidFill>
+                  <a:schemeClr val="accent1">
+                    <a:lumMod val="50000"/>
+                  </a:schemeClr>
+                </a:solidFill>
+                <a:latin typeface="华文细黑" panose="02010600040101010101" pitchFamily="2" charset="-122"/>
+                <a:ea typeface="华文细黑" panose="02010600040101010101" pitchFamily="2" charset="-122"/>
+                <a:cs typeface="STHeiti Light" charset="-122"/>
+              </a:rPr>
+              <a:t>// Subscribe operation. Subsequent calls to these methods panic if the type does not</a:t>
+            </a:r>
+          </a:p>
+          <a:p>
+            <a:pPr marL="0" indent="0">
+              <a:buNone/>
+            </a:pPr>
+            <a:r>
+              <a:rPr lang="en-US" altLang="zh-CN" sz="2400" b="1" dirty="0">
+                <a:solidFill>
+                  <a:schemeClr val="accent1">
+                    <a:lumMod val="50000"/>
+                  </a:schemeClr>
+                </a:solidFill>
+                <a:latin typeface="华文细黑" panose="02010600040101010101" pitchFamily="2" charset="-122"/>
+                <a:ea typeface="华文细黑" panose="02010600040101010101" pitchFamily="2" charset="-122"/>
+                <a:cs typeface="STHeiti Light" charset="-122"/>
+              </a:rPr>
+              <a:t>// match.</a:t>
+            </a:r>
+          </a:p>
+          <a:p>
+            <a:pPr marL="0" indent="0">
+              <a:buNone/>
+            </a:pPr>
+            <a:endParaRPr lang="en-US" altLang="zh-CN" sz="2400" b="1" dirty="0">
+              <a:solidFill>
+                <a:schemeClr val="accent1">
+                  <a:lumMod val="50000"/>
+                </a:schemeClr>
+              </a:solidFill>
+              <a:latin typeface="华文细黑" panose="02010600040101010101" pitchFamily="2" charset="-122"/>
+              <a:ea typeface="华文细黑" panose="02010600040101010101" pitchFamily="2" charset="-122"/>
+              <a:cs typeface="STHeiti Light" charset="-122"/>
+            </a:endParaRPr>
+          </a:p>
+          <a:p>
+            <a:pPr marL="0" indent="0">
+              <a:buNone/>
+            </a:pPr>
+            <a:endParaRPr lang="en-US" altLang="zh-CN" sz="2400" b="1" dirty="0">
+              <a:solidFill>
+                <a:schemeClr val="accent1">
+                  <a:lumMod val="50000"/>
+                </a:schemeClr>
+              </a:solidFill>
+              <a:latin typeface="华文细黑" panose="02010600040101010101" pitchFamily="2" charset="-122"/>
+              <a:ea typeface="华文细黑" panose="02010600040101010101" pitchFamily="2" charset="-122"/>
+              <a:cs typeface="STHeiti Light" charset="-122"/>
+            </a:endParaRPr>
+          </a:p>
+          <a:p>
+            <a:pPr marL="0" indent="0">
+              <a:buNone/>
+            </a:pPr>
+            <a:r>
+              <a:rPr lang="zh-CN" altLang="en-US" sz="2400" b="1" dirty="0">
+                <a:solidFill>
+                  <a:schemeClr val="accent1">
+                    <a:lumMod val="50000"/>
+                  </a:schemeClr>
+                </a:solidFill>
+                <a:latin typeface="华文细黑" panose="02010600040101010101" pitchFamily="2" charset="-122"/>
+                <a:ea typeface="华文细黑" panose="02010600040101010101" pitchFamily="2" charset="-122"/>
+                <a:cs typeface="STHeiti Light" charset="-122"/>
+              </a:rPr>
+              <a:t>参考项目：</a:t>
+            </a:r>
+            <a:endParaRPr lang="en-US" altLang="zh-CN" sz="2400" b="1" dirty="0">
+              <a:solidFill>
+                <a:schemeClr val="accent1">
+                  <a:lumMod val="50000"/>
+                </a:schemeClr>
+              </a:solidFill>
+              <a:latin typeface="华文细黑" panose="02010600040101010101" pitchFamily="2" charset="-122"/>
+              <a:ea typeface="华文细黑" panose="02010600040101010101" pitchFamily="2" charset="-122"/>
+              <a:cs typeface="STHeiti Light" charset="-122"/>
+            </a:endParaRPr>
+          </a:p>
+          <a:p>
+            <a:pPr marL="0" indent="0">
+              <a:buNone/>
+            </a:pPr>
+            <a:r>
+              <a:rPr lang="en-US" altLang="zh-CN" dirty="0">
+                <a:hlinkClick r:id="rId3"/>
+              </a:rPr>
+              <a:t>https://github.com/ethereum/go-ethereum/blob/master/event/feed.go</a:t>
+            </a:r>
+            <a:endParaRPr lang="en-US" altLang="zh-CN" dirty="0">
+              <a:solidFill>
+                <a:srgbClr val="000000"/>
+              </a:solidFill>
+              <a:latin typeface="STHeiti Light" charset="-122"/>
+              <a:ea typeface="STHeiti Light" charset="-122"/>
+              <a:cs typeface="STHeiti Light" charset="-122"/>
+            </a:endParaRPr>
+          </a:p>
+          <a:p>
+            <a:pPr>
+              <a:lnSpc>
+                <a:spcPct val="150000"/>
+              </a:lnSpc>
+              <a:buFont typeface="Wingdings" charset="2"/>
+              <a:buChar char="l"/>
+            </a:pPr>
+            <a:endParaRPr lang="zh-CN" altLang="en-US" dirty="0">
+              <a:solidFill>
+                <a:srgbClr val="000000"/>
+              </a:solidFill>
+              <a:latin typeface="STHeiti Light" charset="-122"/>
+              <a:ea typeface="STHeiti Light" charset="-122"/>
+              <a:cs typeface="STHeiti Light" charset="-122"/>
+            </a:endParaRPr>
+          </a:p>
+        </p:txBody>
+      </p:sp>
+    </p:spTree>
+    <p:extLst>
+      <p:ext uri="{BB962C8B-B14F-4D97-AF65-F5344CB8AC3E}">
+        <p14:creationId xmlns:p14="http://schemas.microsoft.com/office/powerpoint/2010/main" val="2869531186"/>
+      </p:ext>
+    </p:extLst>
+  </p:cSld>
+  <p:clrMapOvr>
+    <a:masterClrMapping/>
+  </p:clrMapOvr>
+</p:sld>
+</file>
+
+<file path=ppt/slides/slide27.xml><?xml version="1.0" encoding="utf-8"?>
+<p:sld xmlns:a="http://schemas.openxmlformats.org/drawingml/2006/main" xmlns:r="http://schemas.openxmlformats.org/officeDocument/2006/relationships" xmlns:p="http://schemas.openxmlformats.org/presentationml/2006/main">
+  <p:cSld>
+    <p:spTree>
+      <p:nvGrpSpPr>
+        <p:cNvPr id="1" name=""/>
+        <p:cNvGrpSpPr/>
+        <p:nvPr/>
+      </p:nvGrpSpPr>
+      <p:grpSpPr>
+        <a:xfrm>
+          <a:off x="0" y="0"/>
+          <a:ext cx="0" cy="0"/>
+          <a:chOff x="0" y="0"/>
+          <a:chExt cx="0" cy="0"/>
+        </a:xfrm>
+      </p:grpSpPr>
+      <p:sp>
+        <p:nvSpPr>
+          <p:cNvPr id="2" name="标题 1"/>
+          <p:cNvSpPr>
+            <a:spLocks noGrp="1"/>
+          </p:cNvSpPr>
+          <p:nvPr>
+            <p:ph type="title"/>
+          </p:nvPr>
+        </p:nvSpPr>
+        <p:spPr/>
+        <p:txBody>
+          <a:bodyPr/>
+          <a:lstStyle/>
+          <a:p>
+            <a:r>
               <a:rPr lang="zh-CN" altLang="en-US" sz="4400" b="1" dirty="0">
                 <a:solidFill>
                   <a:srgbClr val="439EFF"/>
@@ -22052,7 +24954,7 @@
 </p:sld>
 </file>
 
-<file path=ppt/slides/slide26.xml><?xml version="1.0" encoding="utf-8"?>
+<file path=ppt/slides/slide28.xml><?xml version="1.0" encoding="utf-8"?>
 <p:sld xmlns:a="http://schemas.openxmlformats.org/drawingml/2006/main" xmlns:r="http://schemas.openxmlformats.org/officeDocument/2006/relationships" xmlns:p="http://schemas.openxmlformats.org/presentationml/2006/main">
   <p:cSld>
     <p:spTree>
@@ -26475,7 +29377,7 @@
               <a:buChar char="n"/>
             </a:pPr>
             <a:r>
-              <a:rPr lang="en-US" altLang="zh-CN" b="1" dirty="0">
+              <a:rPr lang="en-US" altLang="zh-CN" dirty="0">
                 <a:solidFill>
                   <a:schemeClr val="tx2"/>
                 </a:solidFill>
@@ -26486,7 +29388,7 @@
               <a:t>GOMAXPROCS(n) - set max simultaneously executing CPUS. If n &lt; 1, it does not change the current setting. The number of logical CPUs on the local machine can be queried with </a:t>
             </a:r>
             <a:r>
-              <a:rPr lang="en-US" altLang="zh-CN" b="1" dirty="0" err="1">
+              <a:rPr lang="en-US" altLang="zh-CN" dirty="0" err="1">
                 <a:solidFill>
                   <a:schemeClr val="tx2"/>
                 </a:solidFill>
@@ -26497,7 +29399,7 @@
               <a:t>NumCPU</a:t>
             </a:r>
             <a:r>
-              <a:rPr lang="en-US" altLang="zh-CN" b="1" dirty="0">
+              <a:rPr lang="en-US" altLang="zh-CN" dirty="0">
                 <a:solidFill>
                   <a:schemeClr val="tx2"/>
                 </a:solidFill>
@@ -26517,7 +29419,7 @@
               <a:buChar char="n"/>
             </a:pPr>
             <a:r>
-              <a:rPr lang="en-US" altLang="zh-CN" b="1" dirty="0" err="1">
+              <a:rPr lang="en-US" altLang="zh-CN" dirty="0" err="1">
                 <a:solidFill>
                   <a:schemeClr val="tx2"/>
                 </a:solidFill>
@@ -26528,7 +29430,7 @@
               <a:t>Goexit</a:t>
             </a:r>
             <a:r>
-              <a:rPr lang="en-US" altLang="zh-CN" b="1" dirty="0">
+              <a:rPr lang="en-US" altLang="zh-CN" dirty="0">
                 <a:solidFill>
                   <a:schemeClr val="tx2"/>
                 </a:solidFill>
@@ -26539,7 +29441,7 @@
               <a:t>() - terminate the calling goroutine,</a:t>
             </a:r>
             <a:r>
-              <a:rPr lang="zh-CN" altLang="en-US" b="1" dirty="0">
+              <a:rPr lang="zh-CN" altLang="en-US" dirty="0">
                 <a:solidFill>
                   <a:schemeClr val="tx2"/>
                 </a:solidFill>
@@ -26550,7 +29452,7 @@
               <a:t> </a:t>
             </a:r>
             <a:r>
-              <a:rPr lang="en-US" altLang="zh-CN" b="1" dirty="0">
+              <a:rPr lang="en-US" altLang="zh-CN" dirty="0">
                 <a:solidFill>
                   <a:schemeClr val="tx2"/>
                 </a:solidFill>
@@ -26570,7 +29472,7 @@
               <a:buChar char="n"/>
             </a:pPr>
             <a:r>
-              <a:rPr lang="en-US" altLang="zh-CN" b="1" dirty="0" err="1">
+              <a:rPr lang="en-US" altLang="zh-CN" dirty="0" err="1">
                 <a:solidFill>
                   <a:schemeClr val="tx2"/>
                 </a:solidFill>
@@ -26581,7 +29483,7 @@
               <a:t>Gosched</a:t>
             </a:r>
             <a:r>
-              <a:rPr lang="en-US" altLang="zh-CN" b="1" dirty="0">
+              <a:rPr lang="en-US" altLang="zh-CN" dirty="0">
                 <a:solidFill>
                   <a:schemeClr val="tx2"/>
                 </a:solidFill>
@@ -26601,7 +29503,7 @@
               <a:buChar char="n"/>
             </a:pPr>
             <a:r>
-              <a:rPr lang="en-US" altLang="zh-CN" b="1" dirty="0" err="1">
+              <a:rPr lang="en-US" altLang="zh-CN" dirty="0" err="1">
                 <a:solidFill>
                   <a:schemeClr val="tx2"/>
                 </a:solidFill>
@@ -26612,7 +29514,7 @@
               <a:t>LockOSThread</a:t>
             </a:r>
             <a:r>
-              <a:rPr lang="en-US" altLang="zh-CN" b="1" dirty="0">
+              <a:rPr lang="en-US" altLang="zh-CN" dirty="0">
                 <a:solidFill>
                   <a:schemeClr val="tx2"/>
                 </a:solidFill>
@@ -26623,7 +29525,7 @@
               <a:t>()/</a:t>
             </a:r>
             <a:r>
-              <a:rPr lang="en-US" altLang="zh-CN" b="1" dirty="0" err="1">
+              <a:rPr lang="en-US" altLang="zh-CN" dirty="0" err="1">
                 <a:solidFill>
                   <a:schemeClr val="tx2"/>
                 </a:solidFill>
@@ -26634,7 +29536,7 @@
               <a:t>UnlockOSThread</a:t>
             </a:r>
             <a:r>
-              <a:rPr lang="en-US" altLang="zh-CN" b="1" dirty="0">
+              <a:rPr lang="en-US" altLang="zh-CN" dirty="0">
                 <a:solidFill>
                   <a:schemeClr val="tx2"/>
                 </a:solidFill>
@@ -26645,7 +29547,7 @@
               <a:t>() - wire/unwire goroutine to current OS thread. </a:t>
             </a:r>
             <a:r>
-              <a:rPr lang="en-US" altLang="zh-CN" b="1" dirty="0" err="1">
+              <a:rPr lang="en-US" altLang="zh-CN" dirty="0" err="1">
                 <a:solidFill>
                   <a:schemeClr val="tx2"/>
                 </a:solidFill>
@@ -26656,7 +29558,7 @@
               <a:t>LockOSThread</a:t>
             </a:r>
             <a:r>
-              <a:rPr lang="en-US" altLang="zh-CN" b="1" dirty="0">
+              <a:rPr lang="en-US" altLang="zh-CN" dirty="0">
                 <a:solidFill>
                   <a:schemeClr val="tx2"/>
                 </a:solidFill>
@@ -26667,7 +29569,7 @@
               <a:t> wires the calling goroutine to its current operating system thread. The calling goroutine will always execute in that thread, and no other goroutine will execute in it, until the calling goroutine has made as many calls to </a:t>
             </a:r>
             <a:r>
-              <a:rPr lang="en-US" altLang="zh-CN" b="1" dirty="0" err="1">
+              <a:rPr lang="en-US" altLang="zh-CN" dirty="0" err="1">
                 <a:solidFill>
                   <a:schemeClr val="tx2"/>
                 </a:solidFill>
@@ -26678,7 +29580,7 @@
               <a:t>UnlockOSThread</a:t>
             </a:r>
             <a:r>
-              <a:rPr lang="en-US" altLang="zh-CN" b="1" dirty="0">
+              <a:rPr lang="en-US" altLang="zh-CN" dirty="0">
                 <a:solidFill>
                   <a:schemeClr val="tx2"/>
                 </a:solidFill>
@@ -26689,7 +29591,7 @@
               <a:t> as to </a:t>
             </a:r>
             <a:r>
-              <a:rPr lang="en-US" altLang="zh-CN" b="1" dirty="0" err="1">
+              <a:rPr lang="en-US" altLang="zh-CN" dirty="0" err="1">
                 <a:solidFill>
                   <a:schemeClr val="tx2"/>
                 </a:solidFill>
@@ -26700,7 +29602,7 @@
               <a:t>LockOSThread</a:t>
             </a:r>
             <a:r>
-              <a:rPr lang="en-US" altLang="zh-CN" b="1" dirty="0">
+              <a:rPr lang="en-US" altLang="zh-CN" dirty="0">
                 <a:solidFill>
                   <a:schemeClr val="tx2"/>
                 </a:solidFill>
